--- a/PresentacionXML.pptx
+++ b/PresentacionXML.pptx
@@ -27,6 +27,7 @@
     <p:sldId id="264" r:id="rId22"/>
     <p:sldId id="265" r:id="rId23"/>
     <p:sldId id="266" r:id="rId24"/>
+    <p:sldId id="267" r:id="rId25"/>
   </p:sldIdLst>
   <p:sldSz cx="9144000" cy="5143500"/>
   <p:notesSz cx="7559675" cy="10691813"/>
@@ -350,23 +351,23 @@
             <a:noAutofit/>
           </a:bodyPr>
           <a:p>
-            <a:pPr indent="0">
+            <a:pPr indent="0" algn="ctr">
               <a:buNone/>
             </a:pPr>
             <a:r>
-              <a:rPr b="0" lang="fr-FR" sz="1800" spc="-1" strike="noStrike">
-                <a:solidFill>
-                  <a:schemeClr val="dk1"/>
-                </a:solidFill>
-                <a:latin typeface="Calibri"/>
+              <a:rPr b="0" lang="es-ES" sz="4400" spc="-1" strike="noStrike">
+                <a:solidFill>
+                  <a:srgbClr val="ffffff"/>
+                </a:solidFill>
+                <a:latin typeface="Arial"/>
               </a:rPr>
               <a:t>Pulse para editar el formato del texto de título</a:t>
             </a:r>
-            <a:endParaRPr b="0" lang="fr-FR" sz="1800" spc="-1" strike="noStrike">
-              <a:solidFill>
-                <a:schemeClr val="dk1"/>
-              </a:solidFill>
-              <a:latin typeface="Calibri"/>
+            <a:endParaRPr b="0" lang="es-ES" sz="4400" spc="-1" strike="noStrike">
+              <a:solidFill>
+                <a:srgbClr val="ffffff"/>
+              </a:solidFill>
+              <a:latin typeface="Arial"/>
             </a:endParaRPr>
           </a:p>
         </p:txBody>
@@ -396,7 +397,7 @@
         </p:spPr>
         <p:txBody>
           <a:bodyPr lIns="0" rIns="0" tIns="0" bIns="0" anchor="t">
-            <a:normAutofit/>
+            <a:normAutofit fontScale="92490"/>
           </a:bodyPr>
           <a:p>
             <a:pPr marL="432000" indent="-324000">
@@ -411,19 +412,19 @@
               <a:buChar char=""/>
             </a:pPr>
             <a:r>
-              <a:rPr b="0" lang="fr-FR" sz="1400" spc="-1" strike="noStrike">
-                <a:solidFill>
-                  <a:schemeClr val="dk1"/>
-                </a:solidFill>
-                <a:latin typeface="Calibri"/>
+              <a:rPr b="0" lang="es-ES" sz="3200" spc="-1" strike="noStrike">
+                <a:solidFill>
+                  <a:srgbClr val="ffffff"/>
+                </a:solidFill>
+                <a:latin typeface="Arial"/>
               </a:rPr>
               <a:t>Pulse para editar el formato de texto del esquema</a:t>
             </a:r>
-            <a:endParaRPr b="0" lang="fr-FR" sz="1400" spc="-1" strike="noStrike">
-              <a:solidFill>
-                <a:schemeClr val="dk1"/>
-              </a:solidFill>
-              <a:latin typeface="Calibri"/>
+            <a:endParaRPr b="0" lang="es-ES" sz="3200" spc="-1" strike="noStrike">
+              <a:solidFill>
+                <a:srgbClr val="ffffff"/>
+              </a:solidFill>
+              <a:latin typeface="Arial"/>
             </a:endParaRPr>
           </a:p>
           <a:p>
@@ -439,19 +440,19 @@
               <a:buChar char=""/>
             </a:pPr>
             <a:r>
-              <a:rPr b="0" lang="fr-FR" sz="1400" spc="-1" strike="noStrike">
-                <a:solidFill>
-                  <a:schemeClr val="dk1"/>
-                </a:solidFill>
-                <a:latin typeface="Calibri"/>
+              <a:rPr b="0" lang="es-ES" sz="2800" spc="-1" strike="noStrike">
+                <a:solidFill>
+                  <a:srgbClr val="ffffff"/>
+                </a:solidFill>
+                <a:latin typeface="Arial"/>
               </a:rPr>
               <a:t>Segundo nivel del esquema</a:t>
             </a:r>
-            <a:endParaRPr b="0" lang="fr-FR" sz="1400" spc="-1" strike="noStrike">
-              <a:solidFill>
-                <a:schemeClr val="dk1"/>
-              </a:solidFill>
-              <a:latin typeface="Calibri"/>
+            <a:endParaRPr b="0" lang="es-ES" sz="2800" spc="-1" strike="noStrike">
+              <a:solidFill>
+                <a:srgbClr val="ffffff"/>
+              </a:solidFill>
+              <a:latin typeface="Arial"/>
             </a:endParaRPr>
           </a:p>
           <a:p>
@@ -467,19 +468,19 @@
               <a:buChar char=""/>
             </a:pPr>
             <a:r>
-              <a:rPr b="0" lang="fr-FR" sz="1400" spc="-1" strike="noStrike">
-                <a:solidFill>
-                  <a:schemeClr val="dk1"/>
-                </a:solidFill>
-                <a:latin typeface="Calibri"/>
+              <a:rPr b="0" lang="es-ES" sz="2400" spc="-1" strike="noStrike">
+                <a:solidFill>
+                  <a:srgbClr val="ffffff"/>
+                </a:solidFill>
+                <a:latin typeface="Arial"/>
               </a:rPr>
               <a:t>Tercer nivel del esquema</a:t>
             </a:r>
-            <a:endParaRPr b="0" lang="fr-FR" sz="1400" spc="-1" strike="noStrike">
-              <a:solidFill>
-                <a:schemeClr val="dk1"/>
-              </a:solidFill>
-              <a:latin typeface="Calibri"/>
+            <a:endParaRPr b="0" lang="es-ES" sz="2400" spc="-1" strike="noStrike">
+              <a:solidFill>
+                <a:srgbClr val="ffffff"/>
+              </a:solidFill>
+              <a:latin typeface="Arial"/>
             </a:endParaRPr>
           </a:p>
           <a:p>
@@ -495,19 +496,19 @@
               <a:buChar char=""/>
             </a:pPr>
             <a:r>
-              <a:rPr b="0" lang="fr-FR" sz="1400" spc="-1" strike="noStrike">
-                <a:solidFill>
-                  <a:schemeClr val="dk1"/>
-                </a:solidFill>
-                <a:latin typeface="Calibri"/>
+              <a:rPr b="0" lang="es-ES" sz="2000" spc="-1" strike="noStrike">
+                <a:solidFill>
+                  <a:srgbClr val="ffffff"/>
+                </a:solidFill>
+                <a:latin typeface="Arial"/>
               </a:rPr>
               <a:t>Cuarto nivel del esquema</a:t>
             </a:r>
-            <a:endParaRPr b="0" lang="fr-FR" sz="1400" spc="-1" strike="noStrike">
-              <a:solidFill>
-                <a:schemeClr val="dk1"/>
-              </a:solidFill>
-              <a:latin typeface="Calibri"/>
+            <a:endParaRPr b="0" lang="es-ES" sz="2000" spc="-1" strike="noStrike">
+              <a:solidFill>
+                <a:srgbClr val="ffffff"/>
+              </a:solidFill>
+              <a:latin typeface="Arial"/>
             </a:endParaRPr>
           </a:p>
           <a:p>
@@ -523,19 +524,19 @@
               <a:buChar char=""/>
             </a:pPr>
             <a:r>
-              <a:rPr b="0" lang="fr-FR" sz="2000" spc="-1" strike="noStrike">
-                <a:solidFill>
-                  <a:schemeClr val="dk1"/>
-                </a:solidFill>
-                <a:latin typeface="Calibri"/>
+              <a:rPr b="0" lang="es-ES" sz="2000" spc="-1" strike="noStrike">
+                <a:solidFill>
+                  <a:srgbClr val="ffffff"/>
+                </a:solidFill>
+                <a:latin typeface="Arial"/>
               </a:rPr>
               <a:t>Quinto nivel del esquema</a:t>
             </a:r>
-            <a:endParaRPr b="0" lang="fr-FR" sz="2000" spc="-1" strike="noStrike">
-              <a:solidFill>
-                <a:schemeClr val="dk1"/>
-              </a:solidFill>
-              <a:latin typeface="Calibri"/>
+            <a:endParaRPr b="0" lang="es-ES" sz="2000" spc="-1" strike="noStrike">
+              <a:solidFill>
+                <a:srgbClr val="ffffff"/>
+              </a:solidFill>
+              <a:latin typeface="Arial"/>
             </a:endParaRPr>
           </a:p>
           <a:p>
@@ -551,19 +552,19 @@
               <a:buChar char=""/>
             </a:pPr>
             <a:r>
-              <a:rPr b="0" lang="fr-FR" sz="2000" spc="-1" strike="noStrike">
-                <a:solidFill>
-                  <a:schemeClr val="dk1"/>
-                </a:solidFill>
-                <a:latin typeface="Calibri"/>
+              <a:rPr b="0" lang="es-ES" sz="2000" spc="-1" strike="noStrike">
+                <a:solidFill>
+                  <a:srgbClr val="ffffff"/>
+                </a:solidFill>
+                <a:latin typeface="Arial"/>
               </a:rPr>
               <a:t>Sexto nivel del esquema</a:t>
             </a:r>
-            <a:endParaRPr b="0" lang="fr-FR" sz="2000" spc="-1" strike="noStrike">
-              <a:solidFill>
-                <a:schemeClr val="dk1"/>
-              </a:solidFill>
-              <a:latin typeface="Calibri"/>
+            <a:endParaRPr b="0" lang="es-ES" sz="2000" spc="-1" strike="noStrike">
+              <a:solidFill>
+                <a:srgbClr val="ffffff"/>
+              </a:solidFill>
+              <a:latin typeface="Arial"/>
             </a:endParaRPr>
           </a:p>
           <a:p>
@@ -579,19 +580,19 @@
               <a:buChar char=""/>
             </a:pPr>
             <a:r>
-              <a:rPr b="0" lang="fr-FR" sz="2000" spc="-1" strike="noStrike">
-                <a:solidFill>
-                  <a:schemeClr val="dk1"/>
-                </a:solidFill>
-                <a:latin typeface="Calibri"/>
+              <a:rPr b="0" lang="es-ES" sz="2000" spc="-1" strike="noStrike">
+                <a:solidFill>
+                  <a:srgbClr val="ffffff"/>
+                </a:solidFill>
+                <a:latin typeface="Arial"/>
               </a:rPr>
               <a:t>Séptimo nivel del esquema</a:t>
             </a:r>
-            <a:endParaRPr b="0" lang="fr-FR" sz="2000" spc="-1" strike="noStrike">
-              <a:solidFill>
-                <a:schemeClr val="dk1"/>
-              </a:solidFill>
-              <a:latin typeface="Calibri"/>
+            <a:endParaRPr b="0" lang="es-ES" sz="2000" spc="-1" strike="noStrike">
+              <a:solidFill>
+                <a:srgbClr val="ffffff"/>
+              </a:solidFill>
+              <a:latin typeface="Arial"/>
             </a:endParaRPr>
           </a:p>
         </p:txBody>
@@ -658,23 +659,23 @@
             <a:noAutofit/>
           </a:bodyPr>
           <a:p>
-            <a:pPr indent="0">
+            <a:pPr indent="0" algn="ctr">
               <a:buNone/>
             </a:pPr>
             <a:r>
-              <a:rPr b="0" lang="fr-FR" sz="1800" spc="-1" strike="noStrike">
-                <a:solidFill>
-                  <a:schemeClr val="dk1"/>
-                </a:solidFill>
-                <a:latin typeface="Calibri"/>
+              <a:rPr b="0" lang="es-ES" sz="4400" spc="-1" strike="noStrike">
+                <a:solidFill>
+                  <a:srgbClr val="ffffff"/>
+                </a:solidFill>
+                <a:latin typeface="Arial"/>
               </a:rPr>
               <a:t>Pulse para editar el formato del texto de título</a:t>
             </a:r>
-            <a:endParaRPr b="0" lang="fr-FR" sz="1800" spc="-1" strike="noStrike">
-              <a:solidFill>
-                <a:schemeClr val="dk1"/>
-              </a:solidFill>
-              <a:latin typeface="Calibri"/>
+            <a:endParaRPr b="0" lang="es-ES" sz="4400" spc="-1" strike="noStrike">
+              <a:solidFill>
+                <a:srgbClr val="ffffff"/>
+              </a:solidFill>
+              <a:latin typeface="Arial"/>
             </a:endParaRPr>
           </a:p>
         </p:txBody>
@@ -704,7 +705,7 @@
         </p:spPr>
         <p:txBody>
           <a:bodyPr lIns="0" rIns="0" tIns="0" bIns="0" anchor="t">
-            <a:normAutofit/>
+            <a:normAutofit fontScale="92490"/>
           </a:bodyPr>
           <a:p>
             <a:pPr marL="432000" indent="-324000">
@@ -719,19 +720,19 @@
               <a:buChar char=""/>
             </a:pPr>
             <a:r>
-              <a:rPr b="0" lang="fr-FR" sz="1400" spc="-1" strike="noStrike">
-                <a:solidFill>
-                  <a:schemeClr val="dk1"/>
-                </a:solidFill>
-                <a:latin typeface="Calibri"/>
+              <a:rPr b="0" lang="es-ES" sz="3200" spc="-1" strike="noStrike">
+                <a:solidFill>
+                  <a:srgbClr val="ffffff"/>
+                </a:solidFill>
+                <a:latin typeface="Arial"/>
               </a:rPr>
               <a:t>Pulse para editar el formato de texto del esquema</a:t>
             </a:r>
-            <a:endParaRPr b="0" lang="fr-FR" sz="1400" spc="-1" strike="noStrike">
-              <a:solidFill>
-                <a:schemeClr val="dk1"/>
-              </a:solidFill>
-              <a:latin typeface="Calibri"/>
+            <a:endParaRPr b="0" lang="es-ES" sz="3200" spc="-1" strike="noStrike">
+              <a:solidFill>
+                <a:srgbClr val="ffffff"/>
+              </a:solidFill>
+              <a:latin typeface="Arial"/>
             </a:endParaRPr>
           </a:p>
           <a:p>
@@ -747,19 +748,19 @@
               <a:buChar char=""/>
             </a:pPr>
             <a:r>
-              <a:rPr b="0" lang="fr-FR" sz="1400" spc="-1" strike="noStrike">
-                <a:solidFill>
-                  <a:schemeClr val="dk1"/>
-                </a:solidFill>
-                <a:latin typeface="Calibri"/>
+              <a:rPr b="0" lang="es-ES" sz="2800" spc="-1" strike="noStrike">
+                <a:solidFill>
+                  <a:srgbClr val="ffffff"/>
+                </a:solidFill>
+                <a:latin typeface="Arial"/>
               </a:rPr>
               <a:t>Segundo nivel del esquema</a:t>
             </a:r>
-            <a:endParaRPr b="0" lang="fr-FR" sz="1400" spc="-1" strike="noStrike">
-              <a:solidFill>
-                <a:schemeClr val="dk1"/>
-              </a:solidFill>
-              <a:latin typeface="Calibri"/>
+            <a:endParaRPr b="0" lang="es-ES" sz="2800" spc="-1" strike="noStrike">
+              <a:solidFill>
+                <a:srgbClr val="ffffff"/>
+              </a:solidFill>
+              <a:latin typeface="Arial"/>
             </a:endParaRPr>
           </a:p>
           <a:p>
@@ -775,19 +776,19 @@
               <a:buChar char=""/>
             </a:pPr>
             <a:r>
-              <a:rPr b="0" lang="fr-FR" sz="1400" spc="-1" strike="noStrike">
-                <a:solidFill>
-                  <a:schemeClr val="dk1"/>
-                </a:solidFill>
-                <a:latin typeface="Calibri"/>
+              <a:rPr b="0" lang="es-ES" sz="2400" spc="-1" strike="noStrike">
+                <a:solidFill>
+                  <a:srgbClr val="ffffff"/>
+                </a:solidFill>
+                <a:latin typeface="Arial"/>
               </a:rPr>
               <a:t>Tercer nivel del esquema</a:t>
             </a:r>
-            <a:endParaRPr b="0" lang="fr-FR" sz="1400" spc="-1" strike="noStrike">
-              <a:solidFill>
-                <a:schemeClr val="dk1"/>
-              </a:solidFill>
-              <a:latin typeface="Calibri"/>
+            <a:endParaRPr b="0" lang="es-ES" sz="2400" spc="-1" strike="noStrike">
+              <a:solidFill>
+                <a:srgbClr val="ffffff"/>
+              </a:solidFill>
+              <a:latin typeface="Arial"/>
             </a:endParaRPr>
           </a:p>
           <a:p>
@@ -803,19 +804,19 @@
               <a:buChar char=""/>
             </a:pPr>
             <a:r>
-              <a:rPr b="0" lang="fr-FR" sz="1400" spc="-1" strike="noStrike">
-                <a:solidFill>
-                  <a:schemeClr val="dk1"/>
-                </a:solidFill>
-                <a:latin typeface="Calibri"/>
+              <a:rPr b="0" lang="es-ES" sz="2000" spc="-1" strike="noStrike">
+                <a:solidFill>
+                  <a:srgbClr val="ffffff"/>
+                </a:solidFill>
+                <a:latin typeface="Arial"/>
               </a:rPr>
               <a:t>Cuarto nivel del esquema</a:t>
             </a:r>
-            <a:endParaRPr b="0" lang="fr-FR" sz="1400" spc="-1" strike="noStrike">
-              <a:solidFill>
-                <a:schemeClr val="dk1"/>
-              </a:solidFill>
-              <a:latin typeface="Calibri"/>
+            <a:endParaRPr b="0" lang="es-ES" sz="2000" spc="-1" strike="noStrike">
+              <a:solidFill>
+                <a:srgbClr val="ffffff"/>
+              </a:solidFill>
+              <a:latin typeface="Arial"/>
             </a:endParaRPr>
           </a:p>
           <a:p>
@@ -831,19 +832,19 @@
               <a:buChar char=""/>
             </a:pPr>
             <a:r>
-              <a:rPr b="0" lang="fr-FR" sz="2000" spc="-1" strike="noStrike">
-                <a:solidFill>
-                  <a:schemeClr val="dk1"/>
-                </a:solidFill>
-                <a:latin typeface="Calibri"/>
+              <a:rPr b="0" lang="es-ES" sz="2000" spc="-1" strike="noStrike">
+                <a:solidFill>
+                  <a:srgbClr val="ffffff"/>
+                </a:solidFill>
+                <a:latin typeface="Arial"/>
               </a:rPr>
               <a:t>Quinto nivel del esquema</a:t>
             </a:r>
-            <a:endParaRPr b="0" lang="fr-FR" sz="2000" spc="-1" strike="noStrike">
-              <a:solidFill>
-                <a:schemeClr val="dk1"/>
-              </a:solidFill>
-              <a:latin typeface="Calibri"/>
+            <a:endParaRPr b="0" lang="es-ES" sz="2000" spc="-1" strike="noStrike">
+              <a:solidFill>
+                <a:srgbClr val="ffffff"/>
+              </a:solidFill>
+              <a:latin typeface="Arial"/>
             </a:endParaRPr>
           </a:p>
           <a:p>
@@ -859,19 +860,19 @@
               <a:buChar char=""/>
             </a:pPr>
             <a:r>
-              <a:rPr b="0" lang="fr-FR" sz="2000" spc="-1" strike="noStrike">
-                <a:solidFill>
-                  <a:schemeClr val="dk1"/>
-                </a:solidFill>
-                <a:latin typeface="Calibri"/>
+              <a:rPr b="0" lang="es-ES" sz="2000" spc="-1" strike="noStrike">
+                <a:solidFill>
+                  <a:srgbClr val="ffffff"/>
+                </a:solidFill>
+                <a:latin typeface="Arial"/>
               </a:rPr>
               <a:t>Sexto nivel del esquema</a:t>
             </a:r>
-            <a:endParaRPr b="0" lang="fr-FR" sz="2000" spc="-1" strike="noStrike">
-              <a:solidFill>
-                <a:schemeClr val="dk1"/>
-              </a:solidFill>
-              <a:latin typeface="Calibri"/>
+            <a:endParaRPr b="0" lang="es-ES" sz="2000" spc="-1" strike="noStrike">
+              <a:solidFill>
+                <a:srgbClr val="ffffff"/>
+              </a:solidFill>
+              <a:latin typeface="Arial"/>
             </a:endParaRPr>
           </a:p>
           <a:p>
@@ -887,19 +888,19 @@
               <a:buChar char=""/>
             </a:pPr>
             <a:r>
-              <a:rPr b="0" lang="fr-FR" sz="2000" spc="-1" strike="noStrike">
-                <a:solidFill>
-                  <a:schemeClr val="dk1"/>
-                </a:solidFill>
-                <a:latin typeface="Calibri"/>
+              <a:rPr b="0" lang="es-ES" sz="2000" spc="-1" strike="noStrike">
+                <a:solidFill>
+                  <a:srgbClr val="ffffff"/>
+                </a:solidFill>
+                <a:latin typeface="Arial"/>
               </a:rPr>
               <a:t>Séptimo nivel del esquema</a:t>
             </a:r>
-            <a:endParaRPr b="0" lang="fr-FR" sz="2000" spc="-1" strike="noStrike">
-              <a:solidFill>
-                <a:schemeClr val="dk1"/>
-              </a:solidFill>
-              <a:latin typeface="Calibri"/>
+            <a:endParaRPr b="0" lang="es-ES" sz="2000" spc="-1" strike="noStrike">
+              <a:solidFill>
+                <a:srgbClr val="ffffff"/>
+              </a:solidFill>
+              <a:latin typeface="Arial"/>
             </a:endParaRPr>
           </a:p>
         </p:txBody>
@@ -1000,23 +1001,23 @@
             <a:noAutofit/>
           </a:bodyPr>
           <a:p>
-            <a:pPr indent="0">
+            <a:pPr indent="0" algn="ctr">
               <a:buNone/>
             </a:pPr>
             <a:r>
-              <a:rPr b="0" lang="fr-FR" sz="1800" spc="-1" strike="noStrike">
-                <a:solidFill>
-                  <a:schemeClr val="dk1"/>
-                </a:solidFill>
-                <a:latin typeface="Calibri"/>
+              <a:rPr b="0" lang="es-ES" sz="4400" spc="-1" strike="noStrike">
+                <a:solidFill>
+                  <a:srgbClr val="ffffff"/>
+                </a:solidFill>
+                <a:latin typeface="Arial"/>
               </a:rPr>
               <a:t>Pulse para editar el formato del texto de título</a:t>
             </a:r>
-            <a:endParaRPr b="0" lang="fr-FR" sz="1800" spc="-1" strike="noStrike">
-              <a:solidFill>
-                <a:schemeClr val="dk1"/>
-              </a:solidFill>
-              <a:latin typeface="Calibri"/>
+            <a:endParaRPr b="0" lang="es-ES" sz="4400" spc="-1" strike="noStrike">
+              <a:solidFill>
+                <a:srgbClr val="ffffff"/>
+              </a:solidFill>
+              <a:latin typeface="Arial"/>
             </a:endParaRPr>
           </a:p>
         </p:txBody>
@@ -1046,7 +1047,7 @@
         </p:spPr>
         <p:txBody>
           <a:bodyPr lIns="0" rIns="0" tIns="0" bIns="0" anchor="t">
-            <a:normAutofit/>
+            <a:normAutofit fontScale="92490"/>
           </a:bodyPr>
           <a:p>
             <a:pPr marL="432000" indent="-324000">
@@ -1061,19 +1062,19 @@
               <a:buChar char=""/>
             </a:pPr>
             <a:r>
-              <a:rPr b="0" lang="fr-FR" sz="1400" spc="-1" strike="noStrike">
-                <a:solidFill>
-                  <a:schemeClr val="dk1"/>
-                </a:solidFill>
-                <a:latin typeface="Calibri"/>
+              <a:rPr b="0" lang="es-ES" sz="3200" spc="-1" strike="noStrike">
+                <a:solidFill>
+                  <a:srgbClr val="ffffff"/>
+                </a:solidFill>
+                <a:latin typeface="Arial"/>
               </a:rPr>
               <a:t>Pulse para editar el formato de texto del esquema</a:t>
             </a:r>
-            <a:endParaRPr b="0" lang="fr-FR" sz="1400" spc="-1" strike="noStrike">
-              <a:solidFill>
-                <a:schemeClr val="dk1"/>
-              </a:solidFill>
-              <a:latin typeface="Calibri"/>
+            <a:endParaRPr b="0" lang="es-ES" sz="3200" spc="-1" strike="noStrike">
+              <a:solidFill>
+                <a:srgbClr val="ffffff"/>
+              </a:solidFill>
+              <a:latin typeface="Arial"/>
             </a:endParaRPr>
           </a:p>
           <a:p>
@@ -1089,19 +1090,19 @@
               <a:buChar char=""/>
             </a:pPr>
             <a:r>
-              <a:rPr b="0" lang="fr-FR" sz="1400" spc="-1" strike="noStrike">
-                <a:solidFill>
-                  <a:schemeClr val="dk1"/>
-                </a:solidFill>
-                <a:latin typeface="Calibri"/>
+              <a:rPr b="0" lang="es-ES" sz="2800" spc="-1" strike="noStrike">
+                <a:solidFill>
+                  <a:srgbClr val="ffffff"/>
+                </a:solidFill>
+                <a:latin typeface="Arial"/>
               </a:rPr>
               <a:t>Segundo nivel del esquema</a:t>
             </a:r>
-            <a:endParaRPr b="0" lang="fr-FR" sz="1400" spc="-1" strike="noStrike">
-              <a:solidFill>
-                <a:schemeClr val="dk1"/>
-              </a:solidFill>
-              <a:latin typeface="Calibri"/>
+            <a:endParaRPr b="0" lang="es-ES" sz="2800" spc="-1" strike="noStrike">
+              <a:solidFill>
+                <a:srgbClr val="ffffff"/>
+              </a:solidFill>
+              <a:latin typeface="Arial"/>
             </a:endParaRPr>
           </a:p>
           <a:p>
@@ -1117,19 +1118,19 @@
               <a:buChar char=""/>
             </a:pPr>
             <a:r>
-              <a:rPr b="0" lang="fr-FR" sz="1400" spc="-1" strike="noStrike">
-                <a:solidFill>
-                  <a:schemeClr val="dk1"/>
-                </a:solidFill>
-                <a:latin typeface="Calibri"/>
+              <a:rPr b="0" lang="es-ES" sz="2400" spc="-1" strike="noStrike">
+                <a:solidFill>
+                  <a:srgbClr val="ffffff"/>
+                </a:solidFill>
+                <a:latin typeface="Arial"/>
               </a:rPr>
               <a:t>Tercer nivel del esquema</a:t>
             </a:r>
-            <a:endParaRPr b="0" lang="fr-FR" sz="1400" spc="-1" strike="noStrike">
-              <a:solidFill>
-                <a:schemeClr val="dk1"/>
-              </a:solidFill>
-              <a:latin typeface="Calibri"/>
+            <a:endParaRPr b="0" lang="es-ES" sz="2400" spc="-1" strike="noStrike">
+              <a:solidFill>
+                <a:srgbClr val="ffffff"/>
+              </a:solidFill>
+              <a:latin typeface="Arial"/>
             </a:endParaRPr>
           </a:p>
           <a:p>
@@ -1145,19 +1146,19 @@
               <a:buChar char=""/>
             </a:pPr>
             <a:r>
-              <a:rPr b="0" lang="fr-FR" sz="1400" spc="-1" strike="noStrike">
-                <a:solidFill>
-                  <a:schemeClr val="dk1"/>
-                </a:solidFill>
-                <a:latin typeface="Calibri"/>
+              <a:rPr b="0" lang="es-ES" sz="2000" spc="-1" strike="noStrike">
+                <a:solidFill>
+                  <a:srgbClr val="ffffff"/>
+                </a:solidFill>
+                <a:latin typeface="Arial"/>
               </a:rPr>
               <a:t>Cuarto nivel del esquema</a:t>
             </a:r>
-            <a:endParaRPr b="0" lang="fr-FR" sz="1400" spc="-1" strike="noStrike">
-              <a:solidFill>
-                <a:schemeClr val="dk1"/>
-              </a:solidFill>
-              <a:latin typeface="Calibri"/>
+            <a:endParaRPr b="0" lang="es-ES" sz="2000" spc="-1" strike="noStrike">
+              <a:solidFill>
+                <a:srgbClr val="ffffff"/>
+              </a:solidFill>
+              <a:latin typeface="Arial"/>
             </a:endParaRPr>
           </a:p>
           <a:p>
@@ -1173,19 +1174,19 @@
               <a:buChar char=""/>
             </a:pPr>
             <a:r>
-              <a:rPr b="0" lang="fr-FR" sz="2000" spc="-1" strike="noStrike">
-                <a:solidFill>
-                  <a:schemeClr val="dk1"/>
-                </a:solidFill>
-                <a:latin typeface="Calibri"/>
+              <a:rPr b="0" lang="es-ES" sz="2000" spc="-1" strike="noStrike">
+                <a:solidFill>
+                  <a:srgbClr val="ffffff"/>
+                </a:solidFill>
+                <a:latin typeface="Arial"/>
               </a:rPr>
               <a:t>Quinto nivel del esquema</a:t>
             </a:r>
-            <a:endParaRPr b="0" lang="fr-FR" sz="2000" spc="-1" strike="noStrike">
-              <a:solidFill>
-                <a:schemeClr val="dk1"/>
-              </a:solidFill>
-              <a:latin typeface="Calibri"/>
+            <a:endParaRPr b="0" lang="es-ES" sz="2000" spc="-1" strike="noStrike">
+              <a:solidFill>
+                <a:srgbClr val="ffffff"/>
+              </a:solidFill>
+              <a:latin typeface="Arial"/>
             </a:endParaRPr>
           </a:p>
           <a:p>
@@ -1201,19 +1202,19 @@
               <a:buChar char=""/>
             </a:pPr>
             <a:r>
-              <a:rPr b="0" lang="fr-FR" sz="2000" spc="-1" strike="noStrike">
-                <a:solidFill>
-                  <a:schemeClr val="dk1"/>
-                </a:solidFill>
-                <a:latin typeface="Calibri"/>
+              <a:rPr b="0" lang="es-ES" sz="2000" spc="-1" strike="noStrike">
+                <a:solidFill>
+                  <a:srgbClr val="ffffff"/>
+                </a:solidFill>
+                <a:latin typeface="Arial"/>
               </a:rPr>
               <a:t>Sexto nivel del esquema</a:t>
             </a:r>
-            <a:endParaRPr b="0" lang="fr-FR" sz="2000" spc="-1" strike="noStrike">
-              <a:solidFill>
-                <a:schemeClr val="dk1"/>
-              </a:solidFill>
-              <a:latin typeface="Calibri"/>
+            <a:endParaRPr b="0" lang="es-ES" sz="2000" spc="-1" strike="noStrike">
+              <a:solidFill>
+                <a:srgbClr val="ffffff"/>
+              </a:solidFill>
+              <a:latin typeface="Arial"/>
             </a:endParaRPr>
           </a:p>
           <a:p>
@@ -1229,19 +1230,19 @@
               <a:buChar char=""/>
             </a:pPr>
             <a:r>
-              <a:rPr b="0" lang="fr-FR" sz="2000" spc="-1" strike="noStrike">
-                <a:solidFill>
-                  <a:schemeClr val="dk1"/>
-                </a:solidFill>
-                <a:latin typeface="Calibri"/>
+              <a:rPr b="0" lang="es-ES" sz="2000" spc="-1" strike="noStrike">
+                <a:solidFill>
+                  <a:srgbClr val="ffffff"/>
+                </a:solidFill>
+                <a:latin typeface="Arial"/>
               </a:rPr>
               <a:t>Séptimo nivel del esquema</a:t>
             </a:r>
-            <a:endParaRPr b="0" lang="fr-FR" sz="2000" spc="-1" strike="noStrike">
-              <a:solidFill>
-                <a:schemeClr val="dk1"/>
-              </a:solidFill>
-              <a:latin typeface="Calibri"/>
+            <a:endParaRPr b="0" lang="es-ES" sz="2000" spc="-1" strike="noStrike">
+              <a:solidFill>
+                <a:srgbClr val="ffffff"/>
+              </a:solidFill>
+              <a:latin typeface="Arial"/>
             </a:endParaRPr>
           </a:p>
         </p:txBody>
@@ -1308,23 +1309,23 @@
             <a:noAutofit/>
           </a:bodyPr>
           <a:p>
-            <a:pPr indent="0">
+            <a:pPr indent="0" algn="ctr">
               <a:buNone/>
             </a:pPr>
             <a:r>
-              <a:rPr b="0" lang="fr-FR" sz="1800" spc="-1" strike="noStrike">
-                <a:solidFill>
-                  <a:schemeClr val="dk1"/>
-                </a:solidFill>
-                <a:latin typeface="Calibri"/>
+              <a:rPr b="0" lang="es-ES" sz="4400" spc="-1" strike="noStrike">
+                <a:solidFill>
+                  <a:srgbClr val="ffffff"/>
+                </a:solidFill>
+                <a:latin typeface="Arial"/>
               </a:rPr>
               <a:t>Pulse para editar el formato del texto de título</a:t>
             </a:r>
-            <a:endParaRPr b="0" lang="fr-FR" sz="1800" spc="-1" strike="noStrike">
-              <a:solidFill>
-                <a:schemeClr val="dk1"/>
-              </a:solidFill>
-              <a:latin typeface="Calibri"/>
+            <a:endParaRPr b="0" lang="es-ES" sz="4400" spc="-1" strike="noStrike">
+              <a:solidFill>
+                <a:srgbClr val="ffffff"/>
+              </a:solidFill>
+              <a:latin typeface="Arial"/>
             </a:endParaRPr>
           </a:p>
         </p:txBody>
@@ -1354,7 +1355,7 @@
         </p:spPr>
         <p:txBody>
           <a:bodyPr lIns="0" rIns="0" tIns="0" bIns="0" anchor="t">
-            <a:normAutofit/>
+            <a:normAutofit fontScale="92490"/>
           </a:bodyPr>
           <a:p>
             <a:pPr marL="432000" indent="-324000">
@@ -1369,19 +1370,19 @@
               <a:buChar char=""/>
             </a:pPr>
             <a:r>
-              <a:rPr b="0" lang="fr-FR" sz="1400" spc="-1" strike="noStrike">
-                <a:solidFill>
-                  <a:schemeClr val="dk1"/>
-                </a:solidFill>
-                <a:latin typeface="Calibri"/>
+              <a:rPr b="0" lang="es-ES" sz="3200" spc="-1" strike="noStrike">
+                <a:solidFill>
+                  <a:srgbClr val="ffffff"/>
+                </a:solidFill>
+                <a:latin typeface="Arial"/>
               </a:rPr>
               <a:t>Pulse para editar el formato de texto del esquema</a:t>
             </a:r>
-            <a:endParaRPr b="0" lang="fr-FR" sz="1400" spc="-1" strike="noStrike">
-              <a:solidFill>
-                <a:schemeClr val="dk1"/>
-              </a:solidFill>
-              <a:latin typeface="Calibri"/>
+            <a:endParaRPr b="0" lang="es-ES" sz="3200" spc="-1" strike="noStrike">
+              <a:solidFill>
+                <a:srgbClr val="ffffff"/>
+              </a:solidFill>
+              <a:latin typeface="Arial"/>
             </a:endParaRPr>
           </a:p>
           <a:p>
@@ -1397,19 +1398,19 @@
               <a:buChar char=""/>
             </a:pPr>
             <a:r>
-              <a:rPr b="0" lang="fr-FR" sz="1400" spc="-1" strike="noStrike">
-                <a:solidFill>
-                  <a:schemeClr val="dk1"/>
-                </a:solidFill>
-                <a:latin typeface="Calibri"/>
+              <a:rPr b="0" lang="es-ES" sz="2800" spc="-1" strike="noStrike">
+                <a:solidFill>
+                  <a:srgbClr val="ffffff"/>
+                </a:solidFill>
+                <a:latin typeface="Arial"/>
               </a:rPr>
               <a:t>Segundo nivel del esquema</a:t>
             </a:r>
-            <a:endParaRPr b="0" lang="fr-FR" sz="1400" spc="-1" strike="noStrike">
-              <a:solidFill>
-                <a:schemeClr val="dk1"/>
-              </a:solidFill>
-              <a:latin typeface="Calibri"/>
+            <a:endParaRPr b="0" lang="es-ES" sz="2800" spc="-1" strike="noStrike">
+              <a:solidFill>
+                <a:srgbClr val="ffffff"/>
+              </a:solidFill>
+              <a:latin typeface="Arial"/>
             </a:endParaRPr>
           </a:p>
           <a:p>
@@ -1425,19 +1426,19 @@
               <a:buChar char=""/>
             </a:pPr>
             <a:r>
-              <a:rPr b="0" lang="fr-FR" sz="1400" spc="-1" strike="noStrike">
-                <a:solidFill>
-                  <a:schemeClr val="dk1"/>
-                </a:solidFill>
-                <a:latin typeface="Calibri"/>
+              <a:rPr b="0" lang="es-ES" sz="2400" spc="-1" strike="noStrike">
+                <a:solidFill>
+                  <a:srgbClr val="ffffff"/>
+                </a:solidFill>
+                <a:latin typeface="Arial"/>
               </a:rPr>
               <a:t>Tercer nivel del esquema</a:t>
             </a:r>
-            <a:endParaRPr b="0" lang="fr-FR" sz="1400" spc="-1" strike="noStrike">
-              <a:solidFill>
-                <a:schemeClr val="dk1"/>
-              </a:solidFill>
-              <a:latin typeface="Calibri"/>
+            <a:endParaRPr b="0" lang="es-ES" sz="2400" spc="-1" strike="noStrike">
+              <a:solidFill>
+                <a:srgbClr val="ffffff"/>
+              </a:solidFill>
+              <a:latin typeface="Arial"/>
             </a:endParaRPr>
           </a:p>
           <a:p>
@@ -1453,19 +1454,19 @@
               <a:buChar char=""/>
             </a:pPr>
             <a:r>
-              <a:rPr b="0" lang="fr-FR" sz="1400" spc="-1" strike="noStrike">
-                <a:solidFill>
-                  <a:schemeClr val="dk1"/>
-                </a:solidFill>
-                <a:latin typeface="Calibri"/>
+              <a:rPr b="0" lang="es-ES" sz="2000" spc="-1" strike="noStrike">
+                <a:solidFill>
+                  <a:srgbClr val="ffffff"/>
+                </a:solidFill>
+                <a:latin typeface="Arial"/>
               </a:rPr>
               <a:t>Cuarto nivel del esquema</a:t>
             </a:r>
-            <a:endParaRPr b="0" lang="fr-FR" sz="1400" spc="-1" strike="noStrike">
-              <a:solidFill>
-                <a:schemeClr val="dk1"/>
-              </a:solidFill>
-              <a:latin typeface="Calibri"/>
+            <a:endParaRPr b="0" lang="es-ES" sz="2000" spc="-1" strike="noStrike">
+              <a:solidFill>
+                <a:srgbClr val="ffffff"/>
+              </a:solidFill>
+              <a:latin typeface="Arial"/>
             </a:endParaRPr>
           </a:p>
           <a:p>
@@ -1481,19 +1482,19 @@
               <a:buChar char=""/>
             </a:pPr>
             <a:r>
-              <a:rPr b="0" lang="fr-FR" sz="2000" spc="-1" strike="noStrike">
-                <a:solidFill>
-                  <a:schemeClr val="dk1"/>
-                </a:solidFill>
-                <a:latin typeface="Calibri"/>
+              <a:rPr b="0" lang="es-ES" sz="2000" spc="-1" strike="noStrike">
+                <a:solidFill>
+                  <a:srgbClr val="ffffff"/>
+                </a:solidFill>
+                <a:latin typeface="Arial"/>
               </a:rPr>
               <a:t>Quinto nivel del esquema</a:t>
             </a:r>
-            <a:endParaRPr b="0" lang="fr-FR" sz="2000" spc="-1" strike="noStrike">
-              <a:solidFill>
-                <a:schemeClr val="dk1"/>
-              </a:solidFill>
-              <a:latin typeface="Calibri"/>
+            <a:endParaRPr b="0" lang="es-ES" sz="2000" spc="-1" strike="noStrike">
+              <a:solidFill>
+                <a:srgbClr val="ffffff"/>
+              </a:solidFill>
+              <a:latin typeface="Arial"/>
             </a:endParaRPr>
           </a:p>
           <a:p>
@@ -1509,19 +1510,19 @@
               <a:buChar char=""/>
             </a:pPr>
             <a:r>
-              <a:rPr b="0" lang="fr-FR" sz="2000" spc="-1" strike="noStrike">
-                <a:solidFill>
-                  <a:schemeClr val="dk1"/>
-                </a:solidFill>
-                <a:latin typeface="Calibri"/>
+              <a:rPr b="0" lang="es-ES" sz="2000" spc="-1" strike="noStrike">
+                <a:solidFill>
+                  <a:srgbClr val="ffffff"/>
+                </a:solidFill>
+                <a:latin typeface="Arial"/>
               </a:rPr>
               <a:t>Sexto nivel del esquema</a:t>
             </a:r>
-            <a:endParaRPr b="0" lang="fr-FR" sz="2000" spc="-1" strike="noStrike">
-              <a:solidFill>
-                <a:schemeClr val="dk1"/>
-              </a:solidFill>
-              <a:latin typeface="Calibri"/>
+            <a:endParaRPr b="0" lang="es-ES" sz="2000" spc="-1" strike="noStrike">
+              <a:solidFill>
+                <a:srgbClr val="ffffff"/>
+              </a:solidFill>
+              <a:latin typeface="Arial"/>
             </a:endParaRPr>
           </a:p>
           <a:p>
@@ -1537,19 +1538,19 @@
               <a:buChar char=""/>
             </a:pPr>
             <a:r>
-              <a:rPr b="0" lang="fr-FR" sz="2000" spc="-1" strike="noStrike">
-                <a:solidFill>
-                  <a:schemeClr val="dk1"/>
-                </a:solidFill>
-                <a:latin typeface="Calibri"/>
+              <a:rPr b="0" lang="es-ES" sz="2000" spc="-1" strike="noStrike">
+                <a:solidFill>
+                  <a:srgbClr val="ffffff"/>
+                </a:solidFill>
+                <a:latin typeface="Arial"/>
               </a:rPr>
               <a:t>Séptimo nivel del esquema</a:t>
             </a:r>
-            <a:endParaRPr b="0" lang="fr-FR" sz="2000" spc="-1" strike="noStrike">
-              <a:solidFill>
-                <a:schemeClr val="dk1"/>
-              </a:solidFill>
-              <a:latin typeface="Calibri"/>
+            <a:endParaRPr b="0" lang="es-ES" sz="2000" spc="-1" strike="noStrike">
+              <a:solidFill>
+                <a:srgbClr val="ffffff"/>
+              </a:solidFill>
+              <a:latin typeface="Arial"/>
             </a:endParaRPr>
           </a:p>
         </p:txBody>
@@ -1616,23 +1617,23 @@
             <a:noAutofit/>
           </a:bodyPr>
           <a:p>
-            <a:pPr indent="0">
+            <a:pPr indent="0" algn="ctr">
               <a:buNone/>
             </a:pPr>
             <a:r>
-              <a:rPr b="0" lang="fr-FR" sz="1800" spc="-1" strike="noStrike">
-                <a:solidFill>
-                  <a:schemeClr val="dk1"/>
-                </a:solidFill>
-                <a:latin typeface="Calibri"/>
+              <a:rPr b="0" lang="es-ES" sz="4400" spc="-1" strike="noStrike">
+                <a:solidFill>
+                  <a:srgbClr val="ffffff"/>
+                </a:solidFill>
+                <a:latin typeface="Arial"/>
               </a:rPr>
               <a:t>Pulse para editar el formato del texto de título</a:t>
             </a:r>
-            <a:endParaRPr b="0" lang="fr-FR" sz="1800" spc="-1" strike="noStrike">
-              <a:solidFill>
-                <a:schemeClr val="dk1"/>
-              </a:solidFill>
-              <a:latin typeface="Calibri"/>
+            <a:endParaRPr b="0" lang="es-ES" sz="4400" spc="-1" strike="noStrike">
+              <a:solidFill>
+                <a:srgbClr val="ffffff"/>
+              </a:solidFill>
+              <a:latin typeface="Arial"/>
             </a:endParaRPr>
           </a:p>
         </p:txBody>
@@ -1662,7 +1663,7 @@
         </p:spPr>
         <p:txBody>
           <a:bodyPr lIns="0" rIns="0" tIns="0" bIns="0" anchor="t">
-            <a:normAutofit/>
+            <a:normAutofit fontScale="92490"/>
           </a:bodyPr>
           <a:p>
             <a:pPr marL="432000" indent="-324000">
@@ -1677,19 +1678,19 @@
               <a:buChar char=""/>
             </a:pPr>
             <a:r>
-              <a:rPr b="0" lang="fr-FR" sz="1400" spc="-1" strike="noStrike">
-                <a:solidFill>
-                  <a:schemeClr val="dk1"/>
-                </a:solidFill>
-                <a:latin typeface="Calibri"/>
+              <a:rPr b="0" lang="es-ES" sz="3200" spc="-1" strike="noStrike">
+                <a:solidFill>
+                  <a:srgbClr val="ffffff"/>
+                </a:solidFill>
+                <a:latin typeface="Arial"/>
               </a:rPr>
               <a:t>Pulse para editar el formato de texto del esquema</a:t>
             </a:r>
-            <a:endParaRPr b="0" lang="fr-FR" sz="1400" spc="-1" strike="noStrike">
-              <a:solidFill>
-                <a:schemeClr val="dk1"/>
-              </a:solidFill>
-              <a:latin typeface="Calibri"/>
+            <a:endParaRPr b="0" lang="es-ES" sz="3200" spc="-1" strike="noStrike">
+              <a:solidFill>
+                <a:srgbClr val="ffffff"/>
+              </a:solidFill>
+              <a:latin typeface="Arial"/>
             </a:endParaRPr>
           </a:p>
           <a:p>
@@ -1705,19 +1706,19 @@
               <a:buChar char=""/>
             </a:pPr>
             <a:r>
-              <a:rPr b="0" lang="fr-FR" sz="1400" spc="-1" strike="noStrike">
-                <a:solidFill>
-                  <a:schemeClr val="dk1"/>
-                </a:solidFill>
-                <a:latin typeface="Calibri"/>
+              <a:rPr b="0" lang="es-ES" sz="2800" spc="-1" strike="noStrike">
+                <a:solidFill>
+                  <a:srgbClr val="ffffff"/>
+                </a:solidFill>
+                <a:latin typeface="Arial"/>
               </a:rPr>
               <a:t>Segundo nivel del esquema</a:t>
             </a:r>
-            <a:endParaRPr b="0" lang="fr-FR" sz="1400" spc="-1" strike="noStrike">
-              <a:solidFill>
-                <a:schemeClr val="dk1"/>
-              </a:solidFill>
-              <a:latin typeface="Calibri"/>
+            <a:endParaRPr b="0" lang="es-ES" sz="2800" spc="-1" strike="noStrike">
+              <a:solidFill>
+                <a:srgbClr val="ffffff"/>
+              </a:solidFill>
+              <a:latin typeface="Arial"/>
             </a:endParaRPr>
           </a:p>
           <a:p>
@@ -1733,19 +1734,19 @@
               <a:buChar char=""/>
             </a:pPr>
             <a:r>
-              <a:rPr b="0" lang="fr-FR" sz="1400" spc="-1" strike="noStrike">
-                <a:solidFill>
-                  <a:schemeClr val="dk1"/>
-                </a:solidFill>
-                <a:latin typeface="Calibri"/>
+              <a:rPr b="0" lang="es-ES" sz="2400" spc="-1" strike="noStrike">
+                <a:solidFill>
+                  <a:srgbClr val="ffffff"/>
+                </a:solidFill>
+                <a:latin typeface="Arial"/>
               </a:rPr>
               <a:t>Tercer nivel del esquema</a:t>
             </a:r>
-            <a:endParaRPr b="0" lang="fr-FR" sz="1400" spc="-1" strike="noStrike">
-              <a:solidFill>
-                <a:schemeClr val="dk1"/>
-              </a:solidFill>
-              <a:latin typeface="Calibri"/>
+            <a:endParaRPr b="0" lang="es-ES" sz="2400" spc="-1" strike="noStrike">
+              <a:solidFill>
+                <a:srgbClr val="ffffff"/>
+              </a:solidFill>
+              <a:latin typeface="Arial"/>
             </a:endParaRPr>
           </a:p>
           <a:p>
@@ -1761,19 +1762,19 @@
               <a:buChar char=""/>
             </a:pPr>
             <a:r>
-              <a:rPr b="0" lang="fr-FR" sz="1400" spc="-1" strike="noStrike">
-                <a:solidFill>
-                  <a:schemeClr val="dk1"/>
-                </a:solidFill>
-                <a:latin typeface="Calibri"/>
+              <a:rPr b="0" lang="es-ES" sz="2000" spc="-1" strike="noStrike">
+                <a:solidFill>
+                  <a:srgbClr val="ffffff"/>
+                </a:solidFill>
+                <a:latin typeface="Arial"/>
               </a:rPr>
               <a:t>Cuarto nivel del esquema</a:t>
             </a:r>
-            <a:endParaRPr b="0" lang="fr-FR" sz="1400" spc="-1" strike="noStrike">
-              <a:solidFill>
-                <a:schemeClr val="dk1"/>
-              </a:solidFill>
-              <a:latin typeface="Calibri"/>
+            <a:endParaRPr b="0" lang="es-ES" sz="2000" spc="-1" strike="noStrike">
+              <a:solidFill>
+                <a:srgbClr val="ffffff"/>
+              </a:solidFill>
+              <a:latin typeface="Arial"/>
             </a:endParaRPr>
           </a:p>
           <a:p>
@@ -1789,19 +1790,19 @@
               <a:buChar char=""/>
             </a:pPr>
             <a:r>
-              <a:rPr b="0" lang="fr-FR" sz="2000" spc="-1" strike="noStrike">
-                <a:solidFill>
-                  <a:schemeClr val="dk1"/>
-                </a:solidFill>
-                <a:latin typeface="Calibri"/>
+              <a:rPr b="0" lang="es-ES" sz="2000" spc="-1" strike="noStrike">
+                <a:solidFill>
+                  <a:srgbClr val="ffffff"/>
+                </a:solidFill>
+                <a:latin typeface="Arial"/>
               </a:rPr>
               <a:t>Quinto nivel del esquema</a:t>
             </a:r>
-            <a:endParaRPr b="0" lang="fr-FR" sz="2000" spc="-1" strike="noStrike">
-              <a:solidFill>
-                <a:schemeClr val="dk1"/>
-              </a:solidFill>
-              <a:latin typeface="Calibri"/>
+            <a:endParaRPr b="0" lang="es-ES" sz="2000" spc="-1" strike="noStrike">
+              <a:solidFill>
+                <a:srgbClr val="ffffff"/>
+              </a:solidFill>
+              <a:latin typeface="Arial"/>
             </a:endParaRPr>
           </a:p>
           <a:p>
@@ -1817,19 +1818,19 @@
               <a:buChar char=""/>
             </a:pPr>
             <a:r>
-              <a:rPr b="0" lang="fr-FR" sz="2000" spc="-1" strike="noStrike">
-                <a:solidFill>
-                  <a:schemeClr val="dk1"/>
-                </a:solidFill>
-                <a:latin typeface="Calibri"/>
+              <a:rPr b="0" lang="es-ES" sz="2000" spc="-1" strike="noStrike">
+                <a:solidFill>
+                  <a:srgbClr val="ffffff"/>
+                </a:solidFill>
+                <a:latin typeface="Arial"/>
               </a:rPr>
               <a:t>Sexto nivel del esquema</a:t>
             </a:r>
-            <a:endParaRPr b="0" lang="fr-FR" sz="2000" spc="-1" strike="noStrike">
-              <a:solidFill>
-                <a:schemeClr val="dk1"/>
-              </a:solidFill>
-              <a:latin typeface="Calibri"/>
+            <a:endParaRPr b="0" lang="es-ES" sz="2000" spc="-1" strike="noStrike">
+              <a:solidFill>
+                <a:srgbClr val="ffffff"/>
+              </a:solidFill>
+              <a:latin typeface="Arial"/>
             </a:endParaRPr>
           </a:p>
           <a:p>
@@ -1845,19 +1846,19 @@
               <a:buChar char=""/>
             </a:pPr>
             <a:r>
-              <a:rPr b="0" lang="fr-FR" sz="2000" spc="-1" strike="noStrike">
-                <a:solidFill>
-                  <a:schemeClr val="dk1"/>
-                </a:solidFill>
-                <a:latin typeface="Calibri"/>
+              <a:rPr b="0" lang="es-ES" sz="2000" spc="-1" strike="noStrike">
+                <a:solidFill>
+                  <a:srgbClr val="ffffff"/>
+                </a:solidFill>
+                <a:latin typeface="Arial"/>
               </a:rPr>
               <a:t>Séptimo nivel del esquema</a:t>
             </a:r>
-            <a:endParaRPr b="0" lang="fr-FR" sz="2000" spc="-1" strike="noStrike">
-              <a:solidFill>
-                <a:schemeClr val="dk1"/>
-              </a:solidFill>
-              <a:latin typeface="Calibri"/>
+            <a:endParaRPr b="0" lang="es-ES" sz="2000" spc="-1" strike="noStrike">
+              <a:solidFill>
+                <a:srgbClr val="ffffff"/>
+              </a:solidFill>
+              <a:latin typeface="Arial"/>
             </a:endParaRPr>
           </a:p>
         </p:txBody>
@@ -1924,23 +1925,23 @@
             <a:noAutofit/>
           </a:bodyPr>
           <a:p>
-            <a:pPr indent="0">
+            <a:pPr indent="0" algn="ctr">
               <a:buNone/>
             </a:pPr>
             <a:r>
-              <a:rPr b="0" lang="fr-FR" sz="1800" spc="-1" strike="noStrike">
-                <a:solidFill>
-                  <a:schemeClr val="dk1"/>
-                </a:solidFill>
-                <a:latin typeface="Calibri"/>
+              <a:rPr b="0" lang="es-ES" sz="4400" spc="-1" strike="noStrike">
+                <a:solidFill>
+                  <a:srgbClr val="ffffff"/>
+                </a:solidFill>
+                <a:latin typeface="Arial"/>
               </a:rPr>
               <a:t>Pulse para editar el formato del texto de título</a:t>
             </a:r>
-            <a:endParaRPr b="0" lang="fr-FR" sz="1800" spc="-1" strike="noStrike">
-              <a:solidFill>
-                <a:schemeClr val="dk1"/>
-              </a:solidFill>
-              <a:latin typeface="Calibri"/>
+            <a:endParaRPr b="0" lang="es-ES" sz="4400" spc="-1" strike="noStrike">
+              <a:solidFill>
+                <a:srgbClr val="ffffff"/>
+              </a:solidFill>
+              <a:latin typeface="Arial"/>
             </a:endParaRPr>
           </a:p>
         </p:txBody>
@@ -1970,7 +1971,7 @@
         </p:spPr>
         <p:txBody>
           <a:bodyPr lIns="0" rIns="0" tIns="0" bIns="0" anchor="t">
-            <a:normAutofit/>
+            <a:normAutofit fontScale="92490"/>
           </a:bodyPr>
           <a:p>
             <a:pPr marL="432000" indent="-324000">
@@ -1985,19 +1986,19 @@
               <a:buChar char=""/>
             </a:pPr>
             <a:r>
-              <a:rPr b="0" lang="fr-FR" sz="1400" spc="-1" strike="noStrike">
-                <a:solidFill>
-                  <a:schemeClr val="dk1"/>
-                </a:solidFill>
-                <a:latin typeface="Calibri"/>
+              <a:rPr b="0" lang="es-ES" sz="3200" spc="-1" strike="noStrike">
+                <a:solidFill>
+                  <a:srgbClr val="ffffff"/>
+                </a:solidFill>
+                <a:latin typeface="Arial"/>
               </a:rPr>
               <a:t>Pulse para editar el formato de texto del esquema</a:t>
             </a:r>
-            <a:endParaRPr b="0" lang="fr-FR" sz="1400" spc="-1" strike="noStrike">
-              <a:solidFill>
-                <a:schemeClr val="dk1"/>
-              </a:solidFill>
-              <a:latin typeface="Calibri"/>
+            <a:endParaRPr b="0" lang="es-ES" sz="3200" spc="-1" strike="noStrike">
+              <a:solidFill>
+                <a:srgbClr val="ffffff"/>
+              </a:solidFill>
+              <a:latin typeface="Arial"/>
             </a:endParaRPr>
           </a:p>
           <a:p>
@@ -2013,19 +2014,19 @@
               <a:buChar char=""/>
             </a:pPr>
             <a:r>
-              <a:rPr b="0" lang="fr-FR" sz="1400" spc="-1" strike="noStrike">
-                <a:solidFill>
-                  <a:schemeClr val="dk1"/>
-                </a:solidFill>
-                <a:latin typeface="Calibri"/>
+              <a:rPr b="0" lang="es-ES" sz="2800" spc="-1" strike="noStrike">
+                <a:solidFill>
+                  <a:srgbClr val="ffffff"/>
+                </a:solidFill>
+                <a:latin typeface="Arial"/>
               </a:rPr>
               <a:t>Segundo nivel del esquema</a:t>
             </a:r>
-            <a:endParaRPr b="0" lang="fr-FR" sz="1400" spc="-1" strike="noStrike">
-              <a:solidFill>
-                <a:schemeClr val="dk1"/>
-              </a:solidFill>
-              <a:latin typeface="Calibri"/>
+            <a:endParaRPr b="0" lang="es-ES" sz="2800" spc="-1" strike="noStrike">
+              <a:solidFill>
+                <a:srgbClr val="ffffff"/>
+              </a:solidFill>
+              <a:latin typeface="Arial"/>
             </a:endParaRPr>
           </a:p>
           <a:p>
@@ -2041,19 +2042,19 @@
               <a:buChar char=""/>
             </a:pPr>
             <a:r>
-              <a:rPr b="0" lang="fr-FR" sz="1400" spc="-1" strike="noStrike">
-                <a:solidFill>
-                  <a:schemeClr val="dk1"/>
-                </a:solidFill>
-                <a:latin typeface="Calibri"/>
+              <a:rPr b="0" lang="es-ES" sz="2400" spc="-1" strike="noStrike">
+                <a:solidFill>
+                  <a:srgbClr val="ffffff"/>
+                </a:solidFill>
+                <a:latin typeface="Arial"/>
               </a:rPr>
               <a:t>Tercer nivel del esquema</a:t>
             </a:r>
-            <a:endParaRPr b="0" lang="fr-FR" sz="1400" spc="-1" strike="noStrike">
-              <a:solidFill>
-                <a:schemeClr val="dk1"/>
-              </a:solidFill>
-              <a:latin typeface="Calibri"/>
+            <a:endParaRPr b="0" lang="es-ES" sz="2400" spc="-1" strike="noStrike">
+              <a:solidFill>
+                <a:srgbClr val="ffffff"/>
+              </a:solidFill>
+              <a:latin typeface="Arial"/>
             </a:endParaRPr>
           </a:p>
           <a:p>
@@ -2069,19 +2070,19 @@
               <a:buChar char=""/>
             </a:pPr>
             <a:r>
-              <a:rPr b="0" lang="fr-FR" sz="1400" spc="-1" strike="noStrike">
-                <a:solidFill>
-                  <a:schemeClr val="dk1"/>
-                </a:solidFill>
-                <a:latin typeface="Calibri"/>
+              <a:rPr b="0" lang="es-ES" sz="2000" spc="-1" strike="noStrike">
+                <a:solidFill>
+                  <a:srgbClr val="ffffff"/>
+                </a:solidFill>
+                <a:latin typeface="Arial"/>
               </a:rPr>
               <a:t>Cuarto nivel del esquema</a:t>
             </a:r>
-            <a:endParaRPr b="0" lang="fr-FR" sz="1400" spc="-1" strike="noStrike">
-              <a:solidFill>
-                <a:schemeClr val="dk1"/>
-              </a:solidFill>
-              <a:latin typeface="Calibri"/>
+            <a:endParaRPr b="0" lang="es-ES" sz="2000" spc="-1" strike="noStrike">
+              <a:solidFill>
+                <a:srgbClr val="ffffff"/>
+              </a:solidFill>
+              <a:latin typeface="Arial"/>
             </a:endParaRPr>
           </a:p>
           <a:p>
@@ -2097,19 +2098,19 @@
               <a:buChar char=""/>
             </a:pPr>
             <a:r>
-              <a:rPr b="0" lang="fr-FR" sz="2000" spc="-1" strike="noStrike">
-                <a:solidFill>
-                  <a:schemeClr val="dk1"/>
-                </a:solidFill>
-                <a:latin typeface="Calibri"/>
+              <a:rPr b="0" lang="es-ES" sz="2000" spc="-1" strike="noStrike">
+                <a:solidFill>
+                  <a:srgbClr val="ffffff"/>
+                </a:solidFill>
+                <a:latin typeface="Arial"/>
               </a:rPr>
               <a:t>Quinto nivel del esquema</a:t>
             </a:r>
-            <a:endParaRPr b="0" lang="fr-FR" sz="2000" spc="-1" strike="noStrike">
-              <a:solidFill>
-                <a:schemeClr val="dk1"/>
-              </a:solidFill>
-              <a:latin typeface="Calibri"/>
+            <a:endParaRPr b="0" lang="es-ES" sz="2000" spc="-1" strike="noStrike">
+              <a:solidFill>
+                <a:srgbClr val="ffffff"/>
+              </a:solidFill>
+              <a:latin typeface="Arial"/>
             </a:endParaRPr>
           </a:p>
           <a:p>
@@ -2125,19 +2126,19 @@
               <a:buChar char=""/>
             </a:pPr>
             <a:r>
-              <a:rPr b="0" lang="fr-FR" sz="2000" spc="-1" strike="noStrike">
-                <a:solidFill>
-                  <a:schemeClr val="dk1"/>
-                </a:solidFill>
-                <a:latin typeface="Calibri"/>
+              <a:rPr b="0" lang="es-ES" sz="2000" spc="-1" strike="noStrike">
+                <a:solidFill>
+                  <a:srgbClr val="ffffff"/>
+                </a:solidFill>
+                <a:latin typeface="Arial"/>
               </a:rPr>
               <a:t>Sexto nivel del esquema</a:t>
             </a:r>
-            <a:endParaRPr b="0" lang="fr-FR" sz="2000" spc="-1" strike="noStrike">
-              <a:solidFill>
-                <a:schemeClr val="dk1"/>
-              </a:solidFill>
-              <a:latin typeface="Calibri"/>
+            <a:endParaRPr b="0" lang="es-ES" sz="2000" spc="-1" strike="noStrike">
+              <a:solidFill>
+                <a:srgbClr val="ffffff"/>
+              </a:solidFill>
+              <a:latin typeface="Arial"/>
             </a:endParaRPr>
           </a:p>
           <a:p>
@@ -2153,19 +2154,19 @@
               <a:buChar char=""/>
             </a:pPr>
             <a:r>
-              <a:rPr b="0" lang="fr-FR" sz="2000" spc="-1" strike="noStrike">
-                <a:solidFill>
-                  <a:schemeClr val="dk1"/>
-                </a:solidFill>
-                <a:latin typeface="Calibri"/>
+              <a:rPr b="0" lang="es-ES" sz="2000" spc="-1" strike="noStrike">
+                <a:solidFill>
+                  <a:srgbClr val="ffffff"/>
+                </a:solidFill>
+                <a:latin typeface="Arial"/>
               </a:rPr>
               <a:t>Séptimo nivel del esquema</a:t>
             </a:r>
-            <a:endParaRPr b="0" lang="fr-FR" sz="2000" spc="-1" strike="noStrike">
-              <a:solidFill>
-                <a:schemeClr val="dk1"/>
-              </a:solidFill>
-              <a:latin typeface="Calibri"/>
+            <a:endParaRPr b="0" lang="es-ES" sz="2000" spc="-1" strike="noStrike">
+              <a:solidFill>
+                <a:srgbClr val="ffffff"/>
+              </a:solidFill>
+              <a:latin typeface="Arial"/>
             </a:endParaRPr>
           </a:p>
         </p:txBody>
@@ -2232,23 +2233,23 @@
             <a:noAutofit/>
           </a:bodyPr>
           <a:p>
-            <a:pPr indent="0">
+            <a:pPr indent="0" algn="ctr">
               <a:buNone/>
             </a:pPr>
             <a:r>
-              <a:rPr b="0" lang="fr-FR" sz="1800" spc="-1" strike="noStrike">
-                <a:solidFill>
-                  <a:schemeClr val="dk1"/>
-                </a:solidFill>
-                <a:latin typeface="Calibri"/>
+              <a:rPr b="0" lang="es-ES" sz="4400" spc="-1" strike="noStrike">
+                <a:solidFill>
+                  <a:srgbClr val="ffffff"/>
+                </a:solidFill>
+                <a:latin typeface="Arial"/>
               </a:rPr>
               <a:t>Pulse para editar el formato del texto de título</a:t>
             </a:r>
-            <a:endParaRPr b="0" lang="fr-FR" sz="1800" spc="-1" strike="noStrike">
-              <a:solidFill>
-                <a:schemeClr val="dk1"/>
-              </a:solidFill>
-              <a:latin typeface="Calibri"/>
+            <a:endParaRPr b="0" lang="es-ES" sz="4400" spc="-1" strike="noStrike">
+              <a:solidFill>
+                <a:srgbClr val="ffffff"/>
+              </a:solidFill>
+              <a:latin typeface="Arial"/>
             </a:endParaRPr>
           </a:p>
         </p:txBody>
@@ -2278,7 +2279,7 @@
         </p:spPr>
         <p:txBody>
           <a:bodyPr lIns="0" rIns="0" tIns="0" bIns="0" anchor="t">
-            <a:normAutofit/>
+            <a:normAutofit fontScale="92490"/>
           </a:bodyPr>
           <a:p>
             <a:pPr marL="432000" indent="-324000">
@@ -2293,19 +2294,19 @@
               <a:buChar char=""/>
             </a:pPr>
             <a:r>
-              <a:rPr b="0" lang="fr-FR" sz="1400" spc="-1" strike="noStrike">
-                <a:solidFill>
-                  <a:schemeClr val="dk1"/>
-                </a:solidFill>
-                <a:latin typeface="Calibri"/>
+              <a:rPr b="0" lang="es-ES" sz="3200" spc="-1" strike="noStrike">
+                <a:solidFill>
+                  <a:srgbClr val="ffffff"/>
+                </a:solidFill>
+                <a:latin typeface="Arial"/>
               </a:rPr>
               <a:t>Pulse para editar el formato de texto del esquema</a:t>
             </a:r>
-            <a:endParaRPr b="0" lang="fr-FR" sz="1400" spc="-1" strike="noStrike">
-              <a:solidFill>
-                <a:schemeClr val="dk1"/>
-              </a:solidFill>
-              <a:latin typeface="Calibri"/>
+            <a:endParaRPr b="0" lang="es-ES" sz="3200" spc="-1" strike="noStrike">
+              <a:solidFill>
+                <a:srgbClr val="ffffff"/>
+              </a:solidFill>
+              <a:latin typeface="Arial"/>
             </a:endParaRPr>
           </a:p>
           <a:p>
@@ -2321,19 +2322,19 @@
               <a:buChar char=""/>
             </a:pPr>
             <a:r>
-              <a:rPr b="0" lang="fr-FR" sz="1400" spc="-1" strike="noStrike">
-                <a:solidFill>
-                  <a:schemeClr val="dk1"/>
-                </a:solidFill>
-                <a:latin typeface="Calibri"/>
+              <a:rPr b="0" lang="es-ES" sz="2800" spc="-1" strike="noStrike">
+                <a:solidFill>
+                  <a:srgbClr val="ffffff"/>
+                </a:solidFill>
+                <a:latin typeface="Arial"/>
               </a:rPr>
               <a:t>Segundo nivel del esquema</a:t>
             </a:r>
-            <a:endParaRPr b="0" lang="fr-FR" sz="1400" spc="-1" strike="noStrike">
-              <a:solidFill>
-                <a:schemeClr val="dk1"/>
-              </a:solidFill>
-              <a:latin typeface="Calibri"/>
+            <a:endParaRPr b="0" lang="es-ES" sz="2800" spc="-1" strike="noStrike">
+              <a:solidFill>
+                <a:srgbClr val="ffffff"/>
+              </a:solidFill>
+              <a:latin typeface="Arial"/>
             </a:endParaRPr>
           </a:p>
           <a:p>
@@ -2349,19 +2350,19 @@
               <a:buChar char=""/>
             </a:pPr>
             <a:r>
-              <a:rPr b="0" lang="fr-FR" sz="1400" spc="-1" strike="noStrike">
-                <a:solidFill>
-                  <a:schemeClr val="dk1"/>
-                </a:solidFill>
-                <a:latin typeface="Calibri"/>
+              <a:rPr b="0" lang="es-ES" sz="2400" spc="-1" strike="noStrike">
+                <a:solidFill>
+                  <a:srgbClr val="ffffff"/>
+                </a:solidFill>
+                <a:latin typeface="Arial"/>
               </a:rPr>
               <a:t>Tercer nivel del esquema</a:t>
             </a:r>
-            <a:endParaRPr b="0" lang="fr-FR" sz="1400" spc="-1" strike="noStrike">
-              <a:solidFill>
-                <a:schemeClr val="dk1"/>
-              </a:solidFill>
-              <a:latin typeface="Calibri"/>
+            <a:endParaRPr b="0" lang="es-ES" sz="2400" spc="-1" strike="noStrike">
+              <a:solidFill>
+                <a:srgbClr val="ffffff"/>
+              </a:solidFill>
+              <a:latin typeface="Arial"/>
             </a:endParaRPr>
           </a:p>
           <a:p>
@@ -2377,19 +2378,19 @@
               <a:buChar char=""/>
             </a:pPr>
             <a:r>
-              <a:rPr b="0" lang="fr-FR" sz="1400" spc="-1" strike="noStrike">
-                <a:solidFill>
-                  <a:schemeClr val="dk1"/>
-                </a:solidFill>
-                <a:latin typeface="Calibri"/>
+              <a:rPr b="0" lang="es-ES" sz="2000" spc="-1" strike="noStrike">
+                <a:solidFill>
+                  <a:srgbClr val="ffffff"/>
+                </a:solidFill>
+                <a:latin typeface="Arial"/>
               </a:rPr>
               <a:t>Cuarto nivel del esquema</a:t>
             </a:r>
-            <a:endParaRPr b="0" lang="fr-FR" sz="1400" spc="-1" strike="noStrike">
-              <a:solidFill>
-                <a:schemeClr val="dk1"/>
-              </a:solidFill>
-              <a:latin typeface="Calibri"/>
+            <a:endParaRPr b="0" lang="es-ES" sz="2000" spc="-1" strike="noStrike">
+              <a:solidFill>
+                <a:srgbClr val="ffffff"/>
+              </a:solidFill>
+              <a:latin typeface="Arial"/>
             </a:endParaRPr>
           </a:p>
           <a:p>
@@ -2405,19 +2406,19 @@
               <a:buChar char=""/>
             </a:pPr>
             <a:r>
-              <a:rPr b="0" lang="fr-FR" sz="2000" spc="-1" strike="noStrike">
-                <a:solidFill>
-                  <a:schemeClr val="dk1"/>
-                </a:solidFill>
-                <a:latin typeface="Calibri"/>
+              <a:rPr b="0" lang="es-ES" sz="2000" spc="-1" strike="noStrike">
+                <a:solidFill>
+                  <a:srgbClr val="ffffff"/>
+                </a:solidFill>
+                <a:latin typeface="Arial"/>
               </a:rPr>
               <a:t>Quinto nivel del esquema</a:t>
             </a:r>
-            <a:endParaRPr b="0" lang="fr-FR" sz="2000" spc="-1" strike="noStrike">
-              <a:solidFill>
-                <a:schemeClr val="dk1"/>
-              </a:solidFill>
-              <a:latin typeface="Calibri"/>
+            <a:endParaRPr b="0" lang="es-ES" sz="2000" spc="-1" strike="noStrike">
+              <a:solidFill>
+                <a:srgbClr val="ffffff"/>
+              </a:solidFill>
+              <a:latin typeface="Arial"/>
             </a:endParaRPr>
           </a:p>
           <a:p>
@@ -2433,19 +2434,19 @@
               <a:buChar char=""/>
             </a:pPr>
             <a:r>
-              <a:rPr b="0" lang="fr-FR" sz="2000" spc="-1" strike="noStrike">
-                <a:solidFill>
-                  <a:schemeClr val="dk1"/>
-                </a:solidFill>
-                <a:latin typeface="Calibri"/>
+              <a:rPr b="0" lang="es-ES" sz="2000" spc="-1" strike="noStrike">
+                <a:solidFill>
+                  <a:srgbClr val="ffffff"/>
+                </a:solidFill>
+                <a:latin typeface="Arial"/>
               </a:rPr>
               <a:t>Sexto nivel del esquema</a:t>
             </a:r>
-            <a:endParaRPr b="0" lang="fr-FR" sz="2000" spc="-1" strike="noStrike">
-              <a:solidFill>
-                <a:schemeClr val="dk1"/>
-              </a:solidFill>
-              <a:latin typeface="Calibri"/>
+            <a:endParaRPr b="0" lang="es-ES" sz="2000" spc="-1" strike="noStrike">
+              <a:solidFill>
+                <a:srgbClr val="ffffff"/>
+              </a:solidFill>
+              <a:latin typeface="Arial"/>
             </a:endParaRPr>
           </a:p>
           <a:p>
@@ -2461,19 +2462,19 @@
               <a:buChar char=""/>
             </a:pPr>
             <a:r>
-              <a:rPr b="0" lang="fr-FR" sz="2000" spc="-1" strike="noStrike">
-                <a:solidFill>
-                  <a:schemeClr val="dk1"/>
-                </a:solidFill>
-                <a:latin typeface="Calibri"/>
+              <a:rPr b="0" lang="es-ES" sz="2000" spc="-1" strike="noStrike">
+                <a:solidFill>
+                  <a:srgbClr val="ffffff"/>
+                </a:solidFill>
+                <a:latin typeface="Arial"/>
               </a:rPr>
               <a:t>Séptimo nivel del esquema</a:t>
             </a:r>
-            <a:endParaRPr b="0" lang="fr-FR" sz="2000" spc="-1" strike="noStrike">
-              <a:solidFill>
-                <a:schemeClr val="dk1"/>
-              </a:solidFill>
-              <a:latin typeface="Calibri"/>
+            <a:endParaRPr b="0" lang="es-ES" sz="2000" spc="-1" strike="noStrike">
+              <a:solidFill>
+                <a:srgbClr val="ffffff"/>
+              </a:solidFill>
+              <a:latin typeface="Arial"/>
             </a:endParaRPr>
           </a:p>
         </p:txBody>
@@ -2540,23 +2541,23 @@
             <a:noAutofit/>
           </a:bodyPr>
           <a:p>
-            <a:pPr indent="0">
+            <a:pPr indent="0" algn="ctr">
               <a:buNone/>
             </a:pPr>
             <a:r>
-              <a:rPr b="0" lang="fr-FR" sz="1800" spc="-1" strike="noStrike">
-                <a:solidFill>
-                  <a:schemeClr val="dk1"/>
-                </a:solidFill>
-                <a:latin typeface="Calibri"/>
+              <a:rPr b="0" lang="es-ES" sz="4400" spc="-1" strike="noStrike">
+                <a:solidFill>
+                  <a:srgbClr val="ffffff"/>
+                </a:solidFill>
+                <a:latin typeface="Arial"/>
               </a:rPr>
               <a:t>Pulse para editar el formato del texto de título</a:t>
             </a:r>
-            <a:endParaRPr b="0" lang="fr-FR" sz="1800" spc="-1" strike="noStrike">
-              <a:solidFill>
-                <a:schemeClr val="dk1"/>
-              </a:solidFill>
-              <a:latin typeface="Calibri"/>
+            <a:endParaRPr b="0" lang="es-ES" sz="4400" spc="-1" strike="noStrike">
+              <a:solidFill>
+                <a:srgbClr val="ffffff"/>
+              </a:solidFill>
+              <a:latin typeface="Arial"/>
             </a:endParaRPr>
           </a:p>
         </p:txBody>
@@ -2586,7 +2587,7 @@
         </p:spPr>
         <p:txBody>
           <a:bodyPr lIns="0" rIns="0" tIns="0" bIns="0" anchor="t">
-            <a:normAutofit/>
+            <a:normAutofit fontScale="92490"/>
           </a:bodyPr>
           <a:p>
             <a:pPr marL="432000" indent="-324000">
@@ -2601,19 +2602,19 @@
               <a:buChar char=""/>
             </a:pPr>
             <a:r>
-              <a:rPr b="0" lang="fr-FR" sz="1400" spc="-1" strike="noStrike">
-                <a:solidFill>
-                  <a:schemeClr val="dk1"/>
-                </a:solidFill>
-                <a:latin typeface="Calibri"/>
+              <a:rPr b="0" lang="es-ES" sz="3200" spc="-1" strike="noStrike">
+                <a:solidFill>
+                  <a:srgbClr val="ffffff"/>
+                </a:solidFill>
+                <a:latin typeface="Arial"/>
               </a:rPr>
               <a:t>Pulse para editar el formato de texto del esquema</a:t>
             </a:r>
-            <a:endParaRPr b="0" lang="fr-FR" sz="1400" spc="-1" strike="noStrike">
-              <a:solidFill>
-                <a:schemeClr val="dk1"/>
-              </a:solidFill>
-              <a:latin typeface="Calibri"/>
+            <a:endParaRPr b="0" lang="es-ES" sz="3200" spc="-1" strike="noStrike">
+              <a:solidFill>
+                <a:srgbClr val="ffffff"/>
+              </a:solidFill>
+              <a:latin typeface="Arial"/>
             </a:endParaRPr>
           </a:p>
           <a:p>
@@ -2629,19 +2630,19 @@
               <a:buChar char=""/>
             </a:pPr>
             <a:r>
-              <a:rPr b="0" lang="fr-FR" sz="1400" spc="-1" strike="noStrike">
-                <a:solidFill>
-                  <a:schemeClr val="dk1"/>
-                </a:solidFill>
-                <a:latin typeface="Calibri"/>
+              <a:rPr b="0" lang="es-ES" sz="2800" spc="-1" strike="noStrike">
+                <a:solidFill>
+                  <a:srgbClr val="ffffff"/>
+                </a:solidFill>
+                <a:latin typeface="Arial"/>
               </a:rPr>
               <a:t>Segundo nivel del esquema</a:t>
             </a:r>
-            <a:endParaRPr b="0" lang="fr-FR" sz="1400" spc="-1" strike="noStrike">
-              <a:solidFill>
-                <a:schemeClr val="dk1"/>
-              </a:solidFill>
-              <a:latin typeface="Calibri"/>
+            <a:endParaRPr b="0" lang="es-ES" sz="2800" spc="-1" strike="noStrike">
+              <a:solidFill>
+                <a:srgbClr val="ffffff"/>
+              </a:solidFill>
+              <a:latin typeface="Arial"/>
             </a:endParaRPr>
           </a:p>
           <a:p>
@@ -2657,19 +2658,19 @@
               <a:buChar char=""/>
             </a:pPr>
             <a:r>
-              <a:rPr b="0" lang="fr-FR" sz="1400" spc="-1" strike="noStrike">
-                <a:solidFill>
-                  <a:schemeClr val="dk1"/>
-                </a:solidFill>
-                <a:latin typeface="Calibri"/>
+              <a:rPr b="0" lang="es-ES" sz="2400" spc="-1" strike="noStrike">
+                <a:solidFill>
+                  <a:srgbClr val="ffffff"/>
+                </a:solidFill>
+                <a:latin typeface="Arial"/>
               </a:rPr>
               <a:t>Tercer nivel del esquema</a:t>
             </a:r>
-            <a:endParaRPr b="0" lang="fr-FR" sz="1400" spc="-1" strike="noStrike">
-              <a:solidFill>
-                <a:schemeClr val="dk1"/>
-              </a:solidFill>
-              <a:latin typeface="Calibri"/>
+            <a:endParaRPr b="0" lang="es-ES" sz="2400" spc="-1" strike="noStrike">
+              <a:solidFill>
+                <a:srgbClr val="ffffff"/>
+              </a:solidFill>
+              <a:latin typeface="Arial"/>
             </a:endParaRPr>
           </a:p>
           <a:p>
@@ -2685,19 +2686,19 @@
               <a:buChar char=""/>
             </a:pPr>
             <a:r>
-              <a:rPr b="0" lang="fr-FR" sz="1400" spc="-1" strike="noStrike">
-                <a:solidFill>
-                  <a:schemeClr val="dk1"/>
-                </a:solidFill>
-                <a:latin typeface="Calibri"/>
+              <a:rPr b="0" lang="es-ES" sz="2000" spc="-1" strike="noStrike">
+                <a:solidFill>
+                  <a:srgbClr val="ffffff"/>
+                </a:solidFill>
+                <a:latin typeface="Arial"/>
               </a:rPr>
               <a:t>Cuarto nivel del esquema</a:t>
             </a:r>
-            <a:endParaRPr b="0" lang="fr-FR" sz="1400" spc="-1" strike="noStrike">
-              <a:solidFill>
-                <a:schemeClr val="dk1"/>
-              </a:solidFill>
-              <a:latin typeface="Calibri"/>
+            <a:endParaRPr b="0" lang="es-ES" sz="2000" spc="-1" strike="noStrike">
+              <a:solidFill>
+                <a:srgbClr val="ffffff"/>
+              </a:solidFill>
+              <a:latin typeface="Arial"/>
             </a:endParaRPr>
           </a:p>
           <a:p>
@@ -2713,19 +2714,19 @@
               <a:buChar char=""/>
             </a:pPr>
             <a:r>
-              <a:rPr b="0" lang="fr-FR" sz="2000" spc="-1" strike="noStrike">
-                <a:solidFill>
-                  <a:schemeClr val="dk1"/>
-                </a:solidFill>
-                <a:latin typeface="Calibri"/>
+              <a:rPr b="0" lang="es-ES" sz="2000" spc="-1" strike="noStrike">
+                <a:solidFill>
+                  <a:srgbClr val="ffffff"/>
+                </a:solidFill>
+                <a:latin typeface="Arial"/>
               </a:rPr>
               <a:t>Quinto nivel del esquema</a:t>
             </a:r>
-            <a:endParaRPr b="0" lang="fr-FR" sz="2000" spc="-1" strike="noStrike">
-              <a:solidFill>
-                <a:schemeClr val="dk1"/>
-              </a:solidFill>
-              <a:latin typeface="Calibri"/>
+            <a:endParaRPr b="0" lang="es-ES" sz="2000" spc="-1" strike="noStrike">
+              <a:solidFill>
+                <a:srgbClr val="ffffff"/>
+              </a:solidFill>
+              <a:latin typeface="Arial"/>
             </a:endParaRPr>
           </a:p>
           <a:p>
@@ -2741,19 +2742,19 @@
               <a:buChar char=""/>
             </a:pPr>
             <a:r>
-              <a:rPr b="0" lang="fr-FR" sz="2000" spc="-1" strike="noStrike">
-                <a:solidFill>
-                  <a:schemeClr val="dk1"/>
-                </a:solidFill>
-                <a:latin typeface="Calibri"/>
+              <a:rPr b="0" lang="es-ES" sz="2000" spc="-1" strike="noStrike">
+                <a:solidFill>
+                  <a:srgbClr val="ffffff"/>
+                </a:solidFill>
+                <a:latin typeface="Arial"/>
               </a:rPr>
               <a:t>Sexto nivel del esquema</a:t>
             </a:r>
-            <a:endParaRPr b="0" lang="fr-FR" sz="2000" spc="-1" strike="noStrike">
-              <a:solidFill>
-                <a:schemeClr val="dk1"/>
-              </a:solidFill>
-              <a:latin typeface="Calibri"/>
+            <a:endParaRPr b="0" lang="es-ES" sz="2000" spc="-1" strike="noStrike">
+              <a:solidFill>
+                <a:srgbClr val="ffffff"/>
+              </a:solidFill>
+              <a:latin typeface="Arial"/>
             </a:endParaRPr>
           </a:p>
           <a:p>
@@ -2769,19 +2770,19 @@
               <a:buChar char=""/>
             </a:pPr>
             <a:r>
-              <a:rPr b="0" lang="fr-FR" sz="2000" spc="-1" strike="noStrike">
-                <a:solidFill>
-                  <a:schemeClr val="dk1"/>
-                </a:solidFill>
-                <a:latin typeface="Calibri"/>
+              <a:rPr b="0" lang="es-ES" sz="2000" spc="-1" strike="noStrike">
+                <a:solidFill>
+                  <a:srgbClr val="ffffff"/>
+                </a:solidFill>
+                <a:latin typeface="Arial"/>
               </a:rPr>
               <a:t>Séptimo nivel del esquema</a:t>
             </a:r>
-            <a:endParaRPr b="0" lang="fr-FR" sz="2000" spc="-1" strike="noStrike">
-              <a:solidFill>
-                <a:schemeClr val="dk1"/>
-              </a:solidFill>
-              <a:latin typeface="Calibri"/>
+            <a:endParaRPr b="0" lang="es-ES" sz="2000" spc="-1" strike="noStrike">
+              <a:solidFill>
+                <a:srgbClr val="ffffff"/>
+              </a:solidFill>
+              <a:latin typeface="Arial"/>
             </a:endParaRPr>
           </a:p>
         </p:txBody>
@@ -2848,23 +2849,23 @@
             <a:noAutofit/>
           </a:bodyPr>
           <a:p>
-            <a:pPr indent="0">
+            <a:pPr indent="0" algn="ctr">
               <a:buNone/>
             </a:pPr>
             <a:r>
-              <a:rPr b="0" lang="fr-FR" sz="1800" spc="-1" strike="noStrike">
-                <a:solidFill>
-                  <a:schemeClr val="dk1"/>
-                </a:solidFill>
-                <a:latin typeface="Calibri"/>
+              <a:rPr b="0" lang="es-ES" sz="4400" spc="-1" strike="noStrike">
+                <a:solidFill>
+                  <a:srgbClr val="ffffff"/>
+                </a:solidFill>
+                <a:latin typeface="Arial"/>
               </a:rPr>
               <a:t>Pulse para editar el formato del texto de título</a:t>
             </a:r>
-            <a:endParaRPr b="0" lang="fr-FR" sz="1800" spc="-1" strike="noStrike">
-              <a:solidFill>
-                <a:schemeClr val="dk1"/>
-              </a:solidFill>
-              <a:latin typeface="Calibri"/>
+            <a:endParaRPr b="0" lang="es-ES" sz="4400" spc="-1" strike="noStrike">
+              <a:solidFill>
+                <a:srgbClr val="ffffff"/>
+              </a:solidFill>
+              <a:latin typeface="Arial"/>
             </a:endParaRPr>
           </a:p>
         </p:txBody>
@@ -2894,7 +2895,7 @@
         </p:spPr>
         <p:txBody>
           <a:bodyPr lIns="0" rIns="0" tIns="0" bIns="0" anchor="t">
-            <a:normAutofit/>
+            <a:normAutofit fontScale="92490"/>
           </a:bodyPr>
           <a:p>
             <a:pPr marL="432000" indent="-324000">
@@ -2909,19 +2910,19 @@
               <a:buChar char=""/>
             </a:pPr>
             <a:r>
-              <a:rPr b="0" lang="fr-FR" sz="1400" spc="-1" strike="noStrike">
-                <a:solidFill>
-                  <a:schemeClr val="dk1"/>
-                </a:solidFill>
-                <a:latin typeface="Calibri"/>
+              <a:rPr b="0" lang="es-ES" sz="3200" spc="-1" strike="noStrike">
+                <a:solidFill>
+                  <a:srgbClr val="ffffff"/>
+                </a:solidFill>
+                <a:latin typeface="Arial"/>
               </a:rPr>
               <a:t>Pulse para editar el formato de texto del esquema</a:t>
             </a:r>
-            <a:endParaRPr b="0" lang="fr-FR" sz="1400" spc="-1" strike="noStrike">
-              <a:solidFill>
-                <a:schemeClr val="dk1"/>
-              </a:solidFill>
-              <a:latin typeface="Calibri"/>
+            <a:endParaRPr b="0" lang="es-ES" sz="3200" spc="-1" strike="noStrike">
+              <a:solidFill>
+                <a:srgbClr val="ffffff"/>
+              </a:solidFill>
+              <a:latin typeface="Arial"/>
             </a:endParaRPr>
           </a:p>
           <a:p>
@@ -2937,19 +2938,19 @@
               <a:buChar char=""/>
             </a:pPr>
             <a:r>
-              <a:rPr b="0" lang="fr-FR" sz="1400" spc="-1" strike="noStrike">
-                <a:solidFill>
-                  <a:schemeClr val="dk1"/>
-                </a:solidFill>
-                <a:latin typeface="Calibri"/>
+              <a:rPr b="0" lang="es-ES" sz="2800" spc="-1" strike="noStrike">
+                <a:solidFill>
+                  <a:srgbClr val="ffffff"/>
+                </a:solidFill>
+                <a:latin typeface="Arial"/>
               </a:rPr>
               <a:t>Segundo nivel del esquema</a:t>
             </a:r>
-            <a:endParaRPr b="0" lang="fr-FR" sz="1400" spc="-1" strike="noStrike">
-              <a:solidFill>
-                <a:schemeClr val="dk1"/>
-              </a:solidFill>
-              <a:latin typeface="Calibri"/>
+            <a:endParaRPr b="0" lang="es-ES" sz="2800" spc="-1" strike="noStrike">
+              <a:solidFill>
+                <a:srgbClr val="ffffff"/>
+              </a:solidFill>
+              <a:latin typeface="Arial"/>
             </a:endParaRPr>
           </a:p>
           <a:p>
@@ -2965,19 +2966,19 @@
               <a:buChar char=""/>
             </a:pPr>
             <a:r>
-              <a:rPr b="0" lang="fr-FR" sz="1400" spc="-1" strike="noStrike">
-                <a:solidFill>
-                  <a:schemeClr val="dk1"/>
-                </a:solidFill>
-                <a:latin typeface="Calibri"/>
+              <a:rPr b="0" lang="es-ES" sz="2400" spc="-1" strike="noStrike">
+                <a:solidFill>
+                  <a:srgbClr val="ffffff"/>
+                </a:solidFill>
+                <a:latin typeface="Arial"/>
               </a:rPr>
               <a:t>Tercer nivel del esquema</a:t>
             </a:r>
-            <a:endParaRPr b="0" lang="fr-FR" sz="1400" spc="-1" strike="noStrike">
-              <a:solidFill>
-                <a:schemeClr val="dk1"/>
-              </a:solidFill>
-              <a:latin typeface="Calibri"/>
+            <a:endParaRPr b="0" lang="es-ES" sz="2400" spc="-1" strike="noStrike">
+              <a:solidFill>
+                <a:srgbClr val="ffffff"/>
+              </a:solidFill>
+              <a:latin typeface="Arial"/>
             </a:endParaRPr>
           </a:p>
           <a:p>
@@ -2993,19 +2994,19 @@
               <a:buChar char=""/>
             </a:pPr>
             <a:r>
-              <a:rPr b="0" lang="fr-FR" sz="1400" spc="-1" strike="noStrike">
-                <a:solidFill>
-                  <a:schemeClr val="dk1"/>
-                </a:solidFill>
-                <a:latin typeface="Calibri"/>
+              <a:rPr b="0" lang="es-ES" sz="2000" spc="-1" strike="noStrike">
+                <a:solidFill>
+                  <a:srgbClr val="ffffff"/>
+                </a:solidFill>
+                <a:latin typeface="Arial"/>
               </a:rPr>
               <a:t>Cuarto nivel del esquema</a:t>
             </a:r>
-            <a:endParaRPr b="0" lang="fr-FR" sz="1400" spc="-1" strike="noStrike">
-              <a:solidFill>
-                <a:schemeClr val="dk1"/>
-              </a:solidFill>
-              <a:latin typeface="Calibri"/>
+            <a:endParaRPr b="0" lang="es-ES" sz="2000" spc="-1" strike="noStrike">
+              <a:solidFill>
+                <a:srgbClr val="ffffff"/>
+              </a:solidFill>
+              <a:latin typeface="Arial"/>
             </a:endParaRPr>
           </a:p>
           <a:p>
@@ -3021,19 +3022,19 @@
               <a:buChar char=""/>
             </a:pPr>
             <a:r>
-              <a:rPr b="0" lang="fr-FR" sz="2000" spc="-1" strike="noStrike">
-                <a:solidFill>
-                  <a:schemeClr val="dk1"/>
-                </a:solidFill>
-                <a:latin typeface="Calibri"/>
+              <a:rPr b="0" lang="es-ES" sz="2000" spc="-1" strike="noStrike">
+                <a:solidFill>
+                  <a:srgbClr val="ffffff"/>
+                </a:solidFill>
+                <a:latin typeface="Arial"/>
               </a:rPr>
               <a:t>Quinto nivel del esquema</a:t>
             </a:r>
-            <a:endParaRPr b="0" lang="fr-FR" sz="2000" spc="-1" strike="noStrike">
-              <a:solidFill>
-                <a:schemeClr val="dk1"/>
-              </a:solidFill>
-              <a:latin typeface="Calibri"/>
+            <a:endParaRPr b="0" lang="es-ES" sz="2000" spc="-1" strike="noStrike">
+              <a:solidFill>
+                <a:srgbClr val="ffffff"/>
+              </a:solidFill>
+              <a:latin typeface="Arial"/>
             </a:endParaRPr>
           </a:p>
           <a:p>
@@ -3049,19 +3050,19 @@
               <a:buChar char=""/>
             </a:pPr>
             <a:r>
-              <a:rPr b="0" lang="fr-FR" sz="2000" spc="-1" strike="noStrike">
-                <a:solidFill>
-                  <a:schemeClr val="dk1"/>
-                </a:solidFill>
-                <a:latin typeface="Calibri"/>
+              <a:rPr b="0" lang="es-ES" sz="2000" spc="-1" strike="noStrike">
+                <a:solidFill>
+                  <a:srgbClr val="ffffff"/>
+                </a:solidFill>
+                <a:latin typeface="Arial"/>
               </a:rPr>
               <a:t>Sexto nivel del esquema</a:t>
             </a:r>
-            <a:endParaRPr b="0" lang="fr-FR" sz="2000" spc="-1" strike="noStrike">
-              <a:solidFill>
-                <a:schemeClr val="dk1"/>
-              </a:solidFill>
-              <a:latin typeface="Calibri"/>
+            <a:endParaRPr b="0" lang="es-ES" sz="2000" spc="-1" strike="noStrike">
+              <a:solidFill>
+                <a:srgbClr val="ffffff"/>
+              </a:solidFill>
+              <a:latin typeface="Arial"/>
             </a:endParaRPr>
           </a:p>
           <a:p>
@@ -3077,19 +3078,19 @@
               <a:buChar char=""/>
             </a:pPr>
             <a:r>
-              <a:rPr b="0" lang="fr-FR" sz="2000" spc="-1" strike="noStrike">
-                <a:solidFill>
-                  <a:schemeClr val="dk1"/>
-                </a:solidFill>
-                <a:latin typeface="Calibri"/>
+              <a:rPr b="0" lang="es-ES" sz="2000" spc="-1" strike="noStrike">
+                <a:solidFill>
+                  <a:srgbClr val="ffffff"/>
+                </a:solidFill>
+                <a:latin typeface="Arial"/>
               </a:rPr>
               <a:t>Séptimo nivel del esquema</a:t>
             </a:r>
-            <a:endParaRPr b="0" lang="fr-FR" sz="2000" spc="-1" strike="noStrike">
-              <a:solidFill>
-                <a:schemeClr val="dk1"/>
-              </a:solidFill>
-              <a:latin typeface="Calibri"/>
+            <a:endParaRPr b="0" lang="es-ES" sz="2000" spc="-1" strike="noStrike">
+              <a:solidFill>
+                <a:srgbClr val="ffffff"/>
+              </a:solidFill>
+              <a:latin typeface="Arial"/>
             </a:endParaRPr>
           </a:p>
         </p:txBody>
@@ -3156,23 +3157,23 @@
             <a:noAutofit/>
           </a:bodyPr>
           <a:p>
-            <a:pPr indent="0">
+            <a:pPr indent="0" algn="ctr">
               <a:buNone/>
             </a:pPr>
             <a:r>
-              <a:rPr b="0" lang="fr-FR" sz="1800" spc="-1" strike="noStrike">
-                <a:solidFill>
-                  <a:schemeClr val="dk1"/>
-                </a:solidFill>
-                <a:latin typeface="Calibri"/>
+              <a:rPr b="0" lang="es-ES" sz="4400" spc="-1" strike="noStrike">
+                <a:solidFill>
+                  <a:srgbClr val="ffffff"/>
+                </a:solidFill>
+                <a:latin typeface="Arial"/>
               </a:rPr>
               <a:t>Pulse para editar el formato del texto de título</a:t>
             </a:r>
-            <a:endParaRPr b="0" lang="fr-FR" sz="1800" spc="-1" strike="noStrike">
-              <a:solidFill>
-                <a:schemeClr val="dk1"/>
-              </a:solidFill>
-              <a:latin typeface="Calibri"/>
+            <a:endParaRPr b="0" lang="es-ES" sz="4400" spc="-1" strike="noStrike">
+              <a:solidFill>
+                <a:srgbClr val="ffffff"/>
+              </a:solidFill>
+              <a:latin typeface="Arial"/>
             </a:endParaRPr>
           </a:p>
         </p:txBody>
@@ -3202,7 +3203,7 @@
         </p:spPr>
         <p:txBody>
           <a:bodyPr lIns="0" rIns="0" tIns="0" bIns="0" anchor="t">
-            <a:normAutofit/>
+            <a:normAutofit fontScale="92490"/>
           </a:bodyPr>
           <a:p>
             <a:pPr marL="432000" indent="-324000">
@@ -3217,19 +3218,19 @@
               <a:buChar char=""/>
             </a:pPr>
             <a:r>
-              <a:rPr b="0" lang="fr-FR" sz="1400" spc="-1" strike="noStrike">
-                <a:solidFill>
-                  <a:schemeClr val="dk1"/>
-                </a:solidFill>
-                <a:latin typeface="Calibri"/>
+              <a:rPr b="0" lang="es-ES" sz="3200" spc="-1" strike="noStrike">
+                <a:solidFill>
+                  <a:srgbClr val="ffffff"/>
+                </a:solidFill>
+                <a:latin typeface="Arial"/>
               </a:rPr>
               <a:t>Pulse para editar el formato de texto del esquema</a:t>
             </a:r>
-            <a:endParaRPr b="0" lang="fr-FR" sz="1400" spc="-1" strike="noStrike">
-              <a:solidFill>
-                <a:schemeClr val="dk1"/>
-              </a:solidFill>
-              <a:latin typeface="Calibri"/>
+            <a:endParaRPr b="0" lang="es-ES" sz="3200" spc="-1" strike="noStrike">
+              <a:solidFill>
+                <a:srgbClr val="ffffff"/>
+              </a:solidFill>
+              <a:latin typeface="Arial"/>
             </a:endParaRPr>
           </a:p>
           <a:p>
@@ -3245,19 +3246,19 @@
               <a:buChar char=""/>
             </a:pPr>
             <a:r>
-              <a:rPr b="0" lang="fr-FR" sz="1400" spc="-1" strike="noStrike">
-                <a:solidFill>
-                  <a:schemeClr val="dk1"/>
-                </a:solidFill>
-                <a:latin typeface="Calibri"/>
+              <a:rPr b="0" lang="es-ES" sz="2800" spc="-1" strike="noStrike">
+                <a:solidFill>
+                  <a:srgbClr val="ffffff"/>
+                </a:solidFill>
+                <a:latin typeface="Arial"/>
               </a:rPr>
               <a:t>Segundo nivel del esquema</a:t>
             </a:r>
-            <a:endParaRPr b="0" lang="fr-FR" sz="1400" spc="-1" strike="noStrike">
-              <a:solidFill>
-                <a:schemeClr val="dk1"/>
-              </a:solidFill>
-              <a:latin typeface="Calibri"/>
+            <a:endParaRPr b="0" lang="es-ES" sz="2800" spc="-1" strike="noStrike">
+              <a:solidFill>
+                <a:srgbClr val="ffffff"/>
+              </a:solidFill>
+              <a:latin typeface="Arial"/>
             </a:endParaRPr>
           </a:p>
           <a:p>
@@ -3273,19 +3274,19 @@
               <a:buChar char=""/>
             </a:pPr>
             <a:r>
-              <a:rPr b="0" lang="fr-FR" sz="1400" spc="-1" strike="noStrike">
-                <a:solidFill>
-                  <a:schemeClr val="dk1"/>
-                </a:solidFill>
-                <a:latin typeface="Calibri"/>
+              <a:rPr b="0" lang="es-ES" sz="2400" spc="-1" strike="noStrike">
+                <a:solidFill>
+                  <a:srgbClr val="ffffff"/>
+                </a:solidFill>
+                <a:latin typeface="Arial"/>
               </a:rPr>
               <a:t>Tercer nivel del esquema</a:t>
             </a:r>
-            <a:endParaRPr b="0" lang="fr-FR" sz="1400" spc="-1" strike="noStrike">
-              <a:solidFill>
-                <a:schemeClr val="dk1"/>
-              </a:solidFill>
-              <a:latin typeface="Calibri"/>
+            <a:endParaRPr b="0" lang="es-ES" sz="2400" spc="-1" strike="noStrike">
+              <a:solidFill>
+                <a:srgbClr val="ffffff"/>
+              </a:solidFill>
+              <a:latin typeface="Arial"/>
             </a:endParaRPr>
           </a:p>
           <a:p>
@@ -3301,19 +3302,19 @@
               <a:buChar char=""/>
             </a:pPr>
             <a:r>
-              <a:rPr b="0" lang="fr-FR" sz="1400" spc="-1" strike="noStrike">
-                <a:solidFill>
-                  <a:schemeClr val="dk1"/>
-                </a:solidFill>
-                <a:latin typeface="Calibri"/>
+              <a:rPr b="0" lang="es-ES" sz="2000" spc="-1" strike="noStrike">
+                <a:solidFill>
+                  <a:srgbClr val="ffffff"/>
+                </a:solidFill>
+                <a:latin typeface="Arial"/>
               </a:rPr>
               <a:t>Cuarto nivel del esquema</a:t>
             </a:r>
-            <a:endParaRPr b="0" lang="fr-FR" sz="1400" spc="-1" strike="noStrike">
-              <a:solidFill>
-                <a:schemeClr val="dk1"/>
-              </a:solidFill>
-              <a:latin typeface="Calibri"/>
+            <a:endParaRPr b="0" lang="es-ES" sz="2000" spc="-1" strike="noStrike">
+              <a:solidFill>
+                <a:srgbClr val="ffffff"/>
+              </a:solidFill>
+              <a:latin typeface="Arial"/>
             </a:endParaRPr>
           </a:p>
           <a:p>
@@ -3329,19 +3330,19 @@
               <a:buChar char=""/>
             </a:pPr>
             <a:r>
-              <a:rPr b="0" lang="fr-FR" sz="2000" spc="-1" strike="noStrike">
-                <a:solidFill>
-                  <a:schemeClr val="dk1"/>
-                </a:solidFill>
-                <a:latin typeface="Calibri"/>
+              <a:rPr b="0" lang="es-ES" sz="2000" spc="-1" strike="noStrike">
+                <a:solidFill>
+                  <a:srgbClr val="ffffff"/>
+                </a:solidFill>
+                <a:latin typeface="Arial"/>
               </a:rPr>
               <a:t>Quinto nivel del esquema</a:t>
             </a:r>
-            <a:endParaRPr b="0" lang="fr-FR" sz="2000" spc="-1" strike="noStrike">
-              <a:solidFill>
-                <a:schemeClr val="dk1"/>
-              </a:solidFill>
-              <a:latin typeface="Calibri"/>
+            <a:endParaRPr b="0" lang="es-ES" sz="2000" spc="-1" strike="noStrike">
+              <a:solidFill>
+                <a:srgbClr val="ffffff"/>
+              </a:solidFill>
+              <a:latin typeface="Arial"/>
             </a:endParaRPr>
           </a:p>
           <a:p>
@@ -3357,19 +3358,19 @@
               <a:buChar char=""/>
             </a:pPr>
             <a:r>
-              <a:rPr b="0" lang="fr-FR" sz="2000" spc="-1" strike="noStrike">
-                <a:solidFill>
-                  <a:schemeClr val="dk1"/>
-                </a:solidFill>
-                <a:latin typeface="Calibri"/>
+              <a:rPr b="0" lang="es-ES" sz="2000" spc="-1" strike="noStrike">
+                <a:solidFill>
+                  <a:srgbClr val="ffffff"/>
+                </a:solidFill>
+                <a:latin typeface="Arial"/>
               </a:rPr>
               <a:t>Sexto nivel del esquema</a:t>
             </a:r>
-            <a:endParaRPr b="0" lang="fr-FR" sz="2000" spc="-1" strike="noStrike">
-              <a:solidFill>
-                <a:schemeClr val="dk1"/>
-              </a:solidFill>
-              <a:latin typeface="Calibri"/>
+            <a:endParaRPr b="0" lang="es-ES" sz="2000" spc="-1" strike="noStrike">
+              <a:solidFill>
+                <a:srgbClr val="ffffff"/>
+              </a:solidFill>
+              <a:latin typeface="Arial"/>
             </a:endParaRPr>
           </a:p>
           <a:p>
@@ -3385,19 +3386,19 @@
               <a:buChar char=""/>
             </a:pPr>
             <a:r>
-              <a:rPr b="0" lang="fr-FR" sz="2000" spc="-1" strike="noStrike">
-                <a:solidFill>
-                  <a:schemeClr val="dk1"/>
-                </a:solidFill>
-                <a:latin typeface="Calibri"/>
+              <a:rPr b="0" lang="es-ES" sz="2000" spc="-1" strike="noStrike">
+                <a:solidFill>
+                  <a:srgbClr val="ffffff"/>
+                </a:solidFill>
+                <a:latin typeface="Arial"/>
               </a:rPr>
               <a:t>Séptimo nivel del esquema</a:t>
             </a:r>
-            <a:endParaRPr b="0" lang="fr-FR" sz="2000" spc="-1" strike="noStrike">
-              <a:solidFill>
-                <a:schemeClr val="dk1"/>
-              </a:solidFill>
-              <a:latin typeface="Calibri"/>
+            <a:endParaRPr b="0" lang="es-ES" sz="2000" spc="-1" strike="noStrike">
+              <a:solidFill>
+                <a:srgbClr val="ffffff"/>
+              </a:solidFill>
+              <a:latin typeface="Arial"/>
             </a:endParaRPr>
           </a:p>
         </p:txBody>
@@ -3471,7 +3472,7 @@
         <p:spPr>
           <a:xfrm>
             <a:off x="1828800" y="1542960"/>
-            <a:ext cx="5486040" cy="1310040"/>
+            <a:ext cx="5485680" cy="1308600"/>
           </a:xfrm>
           <a:prstGeom prst="rect">
             <a:avLst/>
@@ -3488,7 +3489,7 @@
           <a:fontRef idx="minor"/>
         </p:style>
         <p:txBody>
-          <a:bodyPr anchor="t">
+          <a:bodyPr lIns="90000" rIns="90000" tIns="45000" bIns="45000" anchor="t">
             <a:spAutoFit/>
           </a:bodyPr>
           <a:p>
@@ -3510,62 +3511,6 @@
               <a:t>Procesamiento de Datos RSS en XML</a:t>
             </a:r>
             <a:endParaRPr b="0" lang="es-ES" sz="4000" spc="-1" strike="noStrike">
-              <a:solidFill>
-                <a:srgbClr val="ffffff"/>
-              </a:solidFill>
-              <a:latin typeface="Arial"/>
-            </a:endParaRPr>
-          </a:p>
-        </p:txBody>
-      </p:sp>
-      <p:sp>
-        <p:nvSpPr>
-          <p:cNvPr id="21" name=""/>
-          <p:cNvSpPr/>
-          <p:nvPr/>
-        </p:nvSpPr>
-        <p:spPr>
-          <a:xfrm>
-            <a:off x="914400" y="2571840"/>
-            <a:ext cx="7314840" cy="396000"/>
-          </a:xfrm>
-          <a:prstGeom prst="rect">
-            <a:avLst/>
-          </a:prstGeom>
-          <a:noFill/>
-          <a:ln w="0">
-            <a:noFill/>
-          </a:ln>
-        </p:spPr>
-        <p:style>
-          <a:lnRef idx="0"/>
-          <a:fillRef idx="0"/>
-          <a:effectRef idx="0"/>
-          <a:fontRef idx="minor"/>
-        </p:style>
-        <p:txBody>
-          <a:bodyPr anchor="t">
-            <a:spAutoFit/>
-          </a:bodyPr>
-          <a:p>
-            <a:pPr algn="ctr" defTabSz="914400">
-              <a:lnSpc>
-                <a:spcPct val="100000"/>
-              </a:lnSpc>
-              <a:tabLst>
-                <a:tab algn="l" pos="0"/>
-              </a:tabLst>
-            </a:pPr>
-            <a:r>
-              <a:rPr b="1" lang="en-US" sz="2000" spc="-1" strike="noStrike">
-                <a:solidFill>
-                  <a:srgbClr val="ffab40"/>
-                </a:solidFill>
-                <a:latin typeface="Calibri"/>
-              </a:rPr>
-              <a:t>Extracción y Estructuración de Noticias de Inteligencia Artificial</a:t>
-            </a:r>
-            <a:endParaRPr b="0" lang="es-ES" sz="2000" spc="-1" strike="noStrike">
               <a:solidFill>
                 <a:srgbClr val="ffffff"/>
               </a:solidFill>
@@ -3606,14 +3551,14 @@
       </p:grpSpPr>
       <p:sp>
         <p:nvSpPr>
-          <p:cNvPr id="38" name=""/>
+          <p:cNvPr id="37" name=""/>
           <p:cNvSpPr/>
           <p:nvPr/>
         </p:nvSpPr>
         <p:spPr>
           <a:xfrm>
-            <a:off x="1828800" y="1028880"/>
-            <a:ext cx="5486040" cy="700560"/>
+            <a:off x="914400" y="1028880"/>
+            <a:ext cx="7314480" cy="516600"/>
           </a:xfrm>
           <a:prstGeom prst="rect">
             <a:avLst/>
@@ -3630,11 +3575,11 @@
           <a:fontRef idx="minor"/>
         </p:style>
         <p:txBody>
-          <a:bodyPr anchor="t">
+          <a:bodyPr lIns="90000" rIns="90000" tIns="45000" bIns="45000" anchor="t">
             <a:spAutoFit/>
           </a:bodyPr>
           <a:p>
-            <a:pPr algn="ctr" defTabSz="914400">
+            <a:pPr defTabSz="914400">
               <a:lnSpc>
                 <a:spcPct val="100000"/>
               </a:lnSpc>
@@ -3643,15 +3588,15 @@
               </a:tabLst>
             </a:pPr>
             <a:r>
-              <a:rPr b="1" lang="en-US" sz="4000" spc="-1" strike="noStrike">
+              <a:rPr b="1" lang="en-US" sz="2800" spc="-1" strike="noStrike">
                 <a:solidFill>
                   <a:srgbClr val="ffab40"/>
                 </a:solidFill>
                 <a:latin typeface="Calibri"/>
               </a:rPr>
-              <a:t>Conclusión</a:t>
-            </a:r>
-            <a:endParaRPr b="0" lang="es-ES" sz="4000" spc="-1" strike="noStrike">
+              <a:t>Pruebas Realizadas</a:t>
+            </a:r>
+            <a:endParaRPr b="0" lang="es-ES" sz="2800" spc="-1" strike="noStrike">
               <a:solidFill>
                 <a:srgbClr val="ffffff"/>
               </a:solidFill>
@@ -3662,14 +3607,14 @@
       </p:sp>
       <p:sp>
         <p:nvSpPr>
-          <p:cNvPr id="39" name=""/>
+          <p:cNvPr id="38" name=""/>
           <p:cNvSpPr/>
           <p:nvPr/>
         </p:nvSpPr>
         <p:spPr>
           <a:xfrm>
             <a:off x="914400" y="1800360"/>
-            <a:ext cx="7314840" cy="3164760"/>
+            <a:ext cx="7314480" cy="1309320"/>
           </a:xfrm>
           <a:prstGeom prst="rect">
             <a:avLst/>
@@ -3686,28 +3631,72 @@
           <a:fontRef idx="minor"/>
         </p:style>
         <p:txBody>
-          <a:bodyPr anchor="t">
+          <a:bodyPr lIns="90000" rIns="90000" tIns="45000" bIns="45000" anchor="t">
             <a:spAutoFit/>
           </a:bodyPr>
           <a:p>
-            <a:pPr algn="ctr" defTabSz="914400">
+            <a:pPr>
               <a:lnSpc>
-                <a:spcPct val="120000"/>
+                <a:spcPct val="100000"/>
+              </a:lnSpc>
+            </a:pPr>
+            <a:r>
+              <a:rPr b="0" lang="en-US" sz="2000" spc="-1" strike="noStrike">
+                <a:solidFill>
+                  <a:srgbClr val="ffffff"/>
+                </a:solidFill>
+                <a:latin typeface="Calibri"/>
+              </a:rPr>
+              <a:t>1. Pruebas funcionales de conexión y recuperación de datos del feed RSS.</a:t>
+            </a:r>
+            <a:endParaRPr b="0" lang="es-ES" sz="2000" spc="-1" strike="noStrike">
+              <a:solidFill>
+                <a:srgbClr val="ffffff"/>
+              </a:solidFill>
+              <a:latin typeface="Arial"/>
+            </a:endParaRPr>
+          </a:p>
+          <a:p>
+            <a:pPr>
+              <a:lnSpc>
+                <a:spcPct val="100000"/>
+              </a:lnSpc>
+            </a:pPr>
+            <a:r>
+              <a:rPr b="0" lang="en-US" sz="2000" spc="-1" strike="noStrike">
+                <a:solidFill>
+                  <a:srgbClr val="ffffff"/>
+                </a:solidFill>
+                <a:latin typeface="Calibri"/>
+              </a:rPr>
+              <a:t>2. Extracción correcta de elementos clave del RSS.</a:t>
+            </a:r>
+            <a:endParaRPr b="0" lang="es-ES" sz="2000" spc="-1" strike="noStrike">
+              <a:solidFill>
+                <a:srgbClr val="ffffff"/>
+              </a:solidFill>
+              <a:latin typeface="Arial"/>
+            </a:endParaRPr>
+          </a:p>
+          <a:p>
+            <a:pPr defTabSz="914400">
+              <a:lnSpc>
+                <a:spcPct val="100000"/>
               </a:lnSpc>
               <a:tabLst>
                 <a:tab algn="l" pos="0"/>
               </a:tabLst>
             </a:pPr>
             <a:r>
-              <a:rPr b="1" lang="en-US" sz="2800" spc="-1" strike="noStrike">
+              <a:rPr b="0" lang="en-US" sz="2000" spc="-1" strike="noStrike">
                 <a:solidFill>
                   <a:srgbClr val="ffffff"/>
                 </a:solidFill>
                 <a:latin typeface="Calibri"/>
               </a:rPr>
-              <a:t>El proyecto cumple con los objetivos planteados, procesando datos de un feed RSS y almacenándolos en formato XML. La modularidad permite futuras ampliaciones, como añadir más campos o procesar múltiples feeds.</a:t>
-            </a:r>
-            <a:endParaRPr b="0" lang="es-ES" sz="2800" spc="-1" strike="noStrike">
+              <a:t>3. Validación del archivo XML generado.</a:t>
+            </a:r>
+            <a:endParaRPr b="0" lang="es-ES" sz="2000" spc="-1" strike="noStrike">
               <a:solidFill>
                 <a:srgbClr val="ffffff"/>
               </a:solidFill>
@@ -3748,14 +3737,14 @@
       </p:grpSpPr>
       <p:sp>
         <p:nvSpPr>
-          <p:cNvPr id="40" name=""/>
+          <p:cNvPr id="39" name=""/>
           <p:cNvSpPr/>
           <p:nvPr/>
         </p:nvSpPr>
         <p:spPr>
           <a:xfrm>
-            <a:off x="914400" y="1028880"/>
-            <a:ext cx="7314840" cy="518040"/>
+            <a:off x="1828800" y="1028880"/>
+            <a:ext cx="5485680" cy="699120"/>
           </a:xfrm>
           <a:prstGeom prst="rect">
             <a:avLst/>
@@ -3772,11 +3761,11 @@
           <a:fontRef idx="minor"/>
         </p:style>
         <p:txBody>
-          <a:bodyPr anchor="t">
+          <a:bodyPr lIns="90000" rIns="90000" tIns="45000" bIns="45000" anchor="t">
             <a:spAutoFit/>
           </a:bodyPr>
           <a:p>
-            <a:pPr defTabSz="914400">
+            <a:pPr algn="ctr" defTabSz="914400">
               <a:lnSpc>
                 <a:spcPct val="100000"/>
               </a:lnSpc>
@@ -3785,15 +3774,15 @@
               </a:tabLst>
             </a:pPr>
             <a:r>
-              <a:rPr b="1" lang="en-US" sz="2800" spc="-1" strike="noStrike">
+              <a:rPr b="1" lang="en-US" sz="4000" spc="-1" strike="noStrike">
                 <a:solidFill>
                   <a:srgbClr val="ffab40"/>
                 </a:solidFill>
                 <a:latin typeface="Calibri"/>
               </a:rPr>
-              <a:t>Referencias</a:t>
-            </a:r>
-            <a:endParaRPr b="0" lang="es-ES" sz="2800" spc="-1" strike="noStrike">
+              <a:t>Conclusión</a:t>
+            </a:r>
+            <a:endParaRPr b="0" lang="es-ES" sz="4000" spc="-1" strike="noStrike">
               <a:solidFill>
                 <a:srgbClr val="ffffff"/>
               </a:solidFill>
@@ -3804,14 +3793,14 @@
       </p:sp>
       <p:sp>
         <p:nvSpPr>
-          <p:cNvPr id="41" name=""/>
+          <p:cNvPr id="40" name=""/>
           <p:cNvSpPr/>
           <p:nvPr/>
         </p:nvSpPr>
         <p:spPr>
           <a:xfrm>
-            <a:off x="914400" y="1542960"/>
-            <a:ext cx="7314840" cy="1114920"/>
+            <a:off x="914400" y="1800360"/>
+            <a:ext cx="7314480" cy="3163320"/>
           </a:xfrm>
           <a:prstGeom prst="rect">
             <a:avLst/>
@@ -3828,11 +3817,153 @@
           <a:fontRef idx="minor"/>
         </p:style>
         <p:txBody>
-          <a:bodyPr anchor="t">
+          <a:bodyPr lIns="90000" rIns="90000" tIns="45000" bIns="45000" anchor="t">
             <a:spAutoFit/>
           </a:bodyPr>
           <a:p>
+            <a:pPr algn="ctr" defTabSz="914400">
+              <a:lnSpc>
+                <a:spcPct val="120000"/>
+              </a:lnSpc>
+              <a:tabLst>
+                <a:tab algn="l" pos="0"/>
+              </a:tabLst>
+            </a:pPr>
+            <a:r>
+              <a:rPr b="1" lang="en-US" sz="2800" spc="-1" strike="noStrike">
+                <a:solidFill>
+                  <a:srgbClr val="ffffff"/>
+                </a:solidFill>
+                <a:latin typeface="Calibri"/>
+              </a:rPr>
+              <a:t>El proyecto cumple con los objetivos planteados, procesando datos de un feed RSS y almacenándolos en formato XML. La modularidad permite futuras ampliaciones, como añadir más campos o procesar múltiples feeds.</a:t>
+            </a:r>
+            <a:endParaRPr b="0" lang="es-ES" sz="2800" spc="-1" strike="noStrike">
+              <a:solidFill>
+                <a:srgbClr val="ffffff"/>
+              </a:solidFill>
+              <a:latin typeface="Arial"/>
+            </a:endParaRPr>
+          </a:p>
+        </p:txBody>
+      </p:sp>
+    </p:spTree>
+  </p:cSld>
+  <mc:AlternateContent>
+    <mc:Choice Requires="p14">
+      <p:transition spd="slow" p14:dur="2000"/>
+    </mc:Choice>
+    <mc:Fallback>
+      <p:transition spd="slow"/>
+    </mc:Fallback>
+  </mc:AlternateContent>
+</p:sld>
+</file>
+
+<file path=ppt/slides/slide12.xml><?xml version="1.0" encoding="utf-8"?>
+<p:sld xmlns:a="http://schemas.openxmlformats.org/drawingml/2006/main" xmlns:p="http://schemas.openxmlformats.org/presentationml/2006/main" xmlns:r="http://schemas.openxmlformats.org/officeDocument/2006/relationships" xmlns:p14="http://schemas.microsoft.com/office/powerpoint/2010/main" xmlns:p15="http://schemas.microsoft.com/office/powerpoint/2012/main" xmlns:mc="http://schemas.openxmlformats.org/markup-compatibility/2006">
+  <p:cSld>
+    <p:spTree>
+      <p:nvGrpSpPr>
+        <p:cNvPr id="1" name=""/>
+        <p:cNvGrpSpPr/>
+        <p:nvPr/>
+      </p:nvGrpSpPr>
+      <p:grpSpPr>
+        <a:xfrm>
+          <a:off x="0" y="0"/>
+          <a:ext cx="0" cy="0"/>
+          <a:chOff x="0" y="0"/>
+          <a:chExt cx="0" cy="0"/>
+        </a:xfrm>
+      </p:grpSpPr>
+      <p:sp>
+        <p:nvSpPr>
+          <p:cNvPr id="41" name=""/>
+          <p:cNvSpPr/>
+          <p:nvPr/>
+        </p:nvSpPr>
+        <p:spPr>
+          <a:xfrm>
+            <a:off x="914400" y="1028880"/>
+            <a:ext cx="7314480" cy="516600"/>
+          </a:xfrm>
+          <a:prstGeom prst="rect">
+            <a:avLst/>
+          </a:prstGeom>
+          <a:noFill/>
+          <a:ln w="0">
+            <a:noFill/>
+          </a:ln>
+        </p:spPr>
+        <p:style>
+          <a:lnRef idx="0"/>
+          <a:fillRef idx="0"/>
+          <a:effectRef idx="0"/>
+          <a:fontRef idx="minor"/>
+        </p:style>
+        <p:txBody>
+          <a:bodyPr lIns="90000" rIns="90000" tIns="45000" bIns="45000" anchor="t">
+            <a:spAutoFit/>
+          </a:bodyPr>
+          <a:p>
             <a:pPr defTabSz="914400">
+              <a:lnSpc>
+                <a:spcPct val="100000"/>
+              </a:lnSpc>
+              <a:tabLst>
+                <a:tab algn="l" pos="0"/>
+              </a:tabLst>
+            </a:pPr>
+            <a:r>
+              <a:rPr b="1" lang="en-US" sz="2800" spc="-1" strike="noStrike">
+                <a:solidFill>
+                  <a:srgbClr val="ffab40"/>
+                </a:solidFill>
+                <a:latin typeface="Calibri"/>
+              </a:rPr>
+              <a:t>Referencias</a:t>
+            </a:r>
+            <a:endParaRPr b="0" lang="es-ES" sz="2800" spc="-1" strike="noStrike">
+              <a:solidFill>
+                <a:srgbClr val="ffffff"/>
+              </a:solidFill>
+              <a:latin typeface="Arial"/>
+            </a:endParaRPr>
+          </a:p>
+        </p:txBody>
+      </p:sp>
+      <p:sp>
+        <p:nvSpPr>
+          <p:cNvPr id="42" name=""/>
+          <p:cNvSpPr/>
+          <p:nvPr/>
+        </p:nvSpPr>
+        <p:spPr>
+          <a:xfrm>
+            <a:off x="914400" y="1542960"/>
+            <a:ext cx="7314480" cy="1113480"/>
+          </a:xfrm>
+          <a:prstGeom prst="rect">
+            <a:avLst/>
+          </a:prstGeom>
+          <a:noFill/>
+          <a:ln w="0">
+            <a:noFill/>
+          </a:ln>
+        </p:spPr>
+        <p:style>
+          <a:lnRef idx="0"/>
+          <a:fillRef idx="0"/>
+          <a:effectRef idx="0"/>
+          <a:fontRef idx="minor"/>
+        </p:style>
+        <p:txBody>
+          <a:bodyPr lIns="90000" rIns="90000" tIns="45000" bIns="45000" anchor="t">
+            <a:spAutoFit/>
+          </a:bodyPr>
+          <a:p>
+            <a:pPr marL="216000" indent="-216000" defTabSz="914400">
               <a:lnSpc>
                 <a:spcPct val="120000"/>
               </a:lnSpc>
@@ -3868,7 +3999,7 @@
             </a:endParaRPr>
           </a:p>
           <a:p>
-            <a:pPr defTabSz="914400">
+            <a:pPr marL="216000" indent="-216000" defTabSz="914400">
               <a:lnSpc>
                 <a:spcPct val="120000"/>
               </a:lnSpc>
@@ -3937,14 +4068,14 @@
       </p:grpSpPr>
       <p:sp>
         <p:nvSpPr>
-          <p:cNvPr id="22" name=""/>
+          <p:cNvPr id="21" name=""/>
           <p:cNvSpPr/>
           <p:nvPr/>
         </p:nvSpPr>
         <p:spPr>
           <a:xfrm>
             <a:off x="1828800" y="1028880"/>
-            <a:ext cx="5486040" cy="700560"/>
+            <a:ext cx="5485680" cy="699120"/>
           </a:xfrm>
           <a:prstGeom prst="rect">
             <a:avLst/>
@@ -3961,7 +4092,7 @@
           <a:fontRef idx="minor"/>
         </p:style>
         <p:txBody>
-          <a:bodyPr anchor="t">
+          <a:bodyPr lIns="90000" rIns="90000" tIns="45000" bIns="45000" anchor="t">
             <a:spAutoFit/>
           </a:bodyPr>
           <a:p>
@@ -3993,14 +4124,14 @@
       </p:sp>
       <p:sp>
         <p:nvSpPr>
-          <p:cNvPr id="23" name=""/>
+          <p:cNvPr id="22" name=""/>
           <p:cNvSpPr/>
           <p:nvPr/>
         </p:nvSpPr>
         <p:spPr>
           <a:xfrm>
             <a:off x="914400" y="1800360"/>
-            <a:ext cx="7314840" cy="3164760"/>
+            <a:ext cx="7314480" cy="2100960"/>
           </a:xfrm>
           <a:prstGeom prst="rect">
             <a:avLst/>
@@ -4017,7 +4148,7 @@
           <a:fontRef idx="minor"/>
         </p:style>
         <p:txBody>
-          <a:bodyPr anchor="t">
+          <a:bodyPr lIns="90000" rIns="90000" tIns="45000" bIns="45000" anchor="t">
             <a:spAutoFit/>
           </a:bodyPr>
           <a:p>
@@ -4030,7 +4161,7 @@
               </a:tabLst>
             </a:pPr>
             <a:r>
-              <a:rPr b="1" lang="en-US" sz="2800" spc="-1" strike="noStrike">
+              <a:rPr b="0" lang="en-US" sz="2200" spc="-1" strike="noStrike">
                 <a:solidFill>
                   <a:srgbClr val="ffffff"/>
                 </a:solidFill>
@@ -4038,7 +4169,7 @@
               </a:rPr>
               <a:t>Este proyecto se centra en el desarrollo de una aplicación en Java para procesar flujos de datos en formato RSS, específicamente enfocados en noticias relacionadas con inteligencia artificial. La aplicación extrae y almacena los datos en un archivo XML estructurado.</a:t>
             </a:r>
-            <a:endParaRPr b="0" lang="es-ES" sz="2800" spc="-1" strike="noStrike">
+            <a:endParaRPr b="0" lang="es-ES" sz="2200" spc="-1" strike="noStrike">
               <a:solidFill>
                 <a:srgbClr val="ffffff"/>
               </a:solidFill>
@@ -4079,14 +4210,14 @@
       </p:grpSpPr>
       <p:sp>
         <p:nvSpPr>
-          <p:cNvPr id="24" name=""/>
+          <p:cNvPr id="23" name=""/>
           <p:cNvSpPr/>
           <p:nvPr/>
         </p:nvSpPr>
         <p:spPr>
           <a:xfrm>
             <a:off x="914400" y="1028880"/>
-            <a:ext cx="7314840" cy="518040"/>
+            <a:ext cx="7314480" cy="516600"/>
           </a:xfrm>
           <a:prstGeom prst="rect">
             <a:avLst/>
@@ -4103,7 +4234,7 @@
           <a:fontRef idx="minor"/>
         </p:style>
         <p:txBody>
-          <a:bodyPr anchor="t">
+          <a:bodyPr lIns="90000" rIns="90000" tIns="45000" bIns="45000" anchor="t">
             <a:spAutoFit/>
           </a:bodyPr>
           <a:p>
@@ -4135,14 +4266,14 @@
       </p:sp>
       <p:sp>
         <p:nvSpPr>
-          <p:cNvPr id="25" name=""/>
+          <p:cNvPr id="24" name=""/>
           <p:cNvSpPr/>
           <p:nvPr/>
         </p:nvSpPr>
         <p:spPr>
           <a:xfrm>
             <a:off x="914400" y="1800360"/>
-            <a:ext cx="7314840" cy="1310760"/>
+            <a:ext cx="7314480" cy="1309320"/>
           </a:xfrm>
           <a:prstGeom prst="rect">
             <a:avLst/>
@@ -4159,10 +4290,15 @@
           <a:fontRef idx="minor"/>
         </p:style>
         <p:txBody>
-          <a:bodyPr anchor="t">
+          <a:bodyPr lIns="90000" rIns="90000" tIns="45000" bIns="45000" anchor="t">
             <a:spAutoFit/>
           </a:bodyPr>
           <a:p>
+            <a:pPr>
+              <a:lnSpc>
+                <a:spcPct val="100000"/>
+              </a:lnSpc>
+            </a:pPr>
             <a:r>
               <a:rPr b="0" lang="en-US" sz="2000" spc="-1" strike="noStrike">
                 <a:solidFill>
@@ -4180,6 +4316,11 @@
             </a:endParaRPr>
           </a:p>
           <a:p>
+            <a:pPr>
+              <a:lnSpc>
+                <a:spcPct val="100000"/>
+              </a:lnSpc>
+            </a:pPr>
             <a:r>
               <a:rPr b="0" lang="en-US" sz="2000" spc="-1" strike="noStrike">
                 <a:solidFill>
@@ -4212,7 +4353,7 @@
                 </a:solidFill>
                 <a:latin typeface="Calibri"/>
               </a:rPr>
-              <a:t>Extrae artículos de inteligencia artificial desde un feed RSS específico.</a:t>
+              <a:t>En este caso extrae artículos de inteligencia artificial desde un feed RSS específico (EuropaPress).</a:t>
             </a:r>
             <a:endParaRPr b="0" lang="es-ES" sz="2000" spc="-1" strike="noStrike">
               <a:solidFill>
@@ -4255,14 +4396,14 @@
       </p:grpSpPr>
       <p:sp>
         <p:nvSpPr>
-          <p:cNvPr id="26" name=""/>
+          <p:cNvPr id="25" name=""/>
           <p:cNvSpPr/>
           <p:nvPr/>
         </p:nvSpPr>
         <p:spPr>
           <a:xfrm>
             <a:off x="914400" y="1028880"/>
-            <a:ext cx="7314840" cy="518040"/>
+            <a:ext cx="7314480" cy="516600"/>
           </a:xfrm>
           <a:prstGeom prst="rect">
             <a:avLst/>
@@ -4279,7 +4420,7 @@
           <a:fontRef idx="minor"/>
         </p:style>
         <p:txBody>
-          <a:bodyPr anchor="t">
+          <a:bodyPr lIns="90000" rIns="90000" tIns="45000" bIns="45000" anchor="t">
             <a:spAutoFit/>
           </a:bodyPr>
           <a:p>
@@ -4311,14 +4452,14 @@
       </p:sp>
       <p:sp>
         <p:nvSpPr>
-          <p:cNvPr id="27" name=""/>
+          <p:cNvPr id="26" name=""/>
           <p:cNvSpPr/>
           <p:nvPr/>
         </p:nvSpPr>
         <p:spPr>
           <a:xfrm>
             <a:off x="914400" y="1800360"/>
-            <a:ext cx="7314840" cy="1615680"/>
+            <a:ext cx="7314480" cy="1614240"/>
           </a:xfrm>
           <a:prstGeom prst="rect">
             <a:avLst/>
@@ -4335,10 +4476,15 @@
           <a:fontRef idx="minor"/>
         </p:style>
         <p:txBody>
-          <a:bodyPr anchor="t">
+          <a:bodyPr lIns="90000" rIns="90000" tIns="45000" bIns="45000" anchor="t">
             <a:spAutoFit/>
           </a:bodyPr>
           <a:p>
+            <a:pPr>
+              <a:lnSpc>
+                <a:spcPct val="100000"/>
+              </a:lnSpc>
+            </a:pPr>
             <a:r>
               <a:rPr b="0" lang="en-US" sz="2000" spc="-1" strike="noStrike">
                 <a:solidFill>
@@ -4356,6 +4502,11 @@
             </a:endParaRPr>
           </a:p>
           <a:p>
+            <a:pPr>
+              <a:lnSpc>
+                <a:spcPct val="100000"/>
+              </a:lnSpc>
+            </a:pPr>
             <a:r>
               <a:rPr b="0" lang="en-US" sz="2000" spc="-1" strike="noStrike">
                 <a:solidFill>
@@ -4431,14 +4582,14 @@
       </p:grpSpPr>
       <p:sp>
         <p:nvSpPr>
-          <p:cNvPr id="28" name=""/>
+          <p:cNvPr id="27" name=""/>
           <p:cNvSpPr/>
           <p:nvPr/>
         </p:nvSpPr>
         <p:spPr>
           <a:xfrm>
             <a:off x="914400" y="1028880"/>
-            <a:ext cx="7314840" cy="518040"/>
+            <a:ext cx="7314480" cy="516600"/>
           </a:xfrm>
           <a:prstGeom prst="rect">
             <a:avLst/>
@@ -4455,7 +4606,7 @@
           <a:fontRef idx="minor"/>
         </p:style>
         <p:txBody>
-          <a:bodyPr anchor="t">
+          <a:bodyPr lIns="90000" rIns="90000" tIns="45000" bIns="45000" anchor="t">
             <a:spAutoFit/>
           </a:bodyPr>
           <a:p>
@@ -4487,14 +4638,14 @@
       </p:sp>
       <p:sp>
         <p:nvSpPr>
-          <p:cNvPr id="29" name=""/>
+          <p:cNvPr id="28" name=""/>
           <p:cNvSpPr/>
           <p:nvPr/>
         </p:nvSpPr>
         <p:spPr>
           <a:xfrm>
             <a:off x="914400" y="1800360"/>
-            <a:ext cx="7314840" cy="1615680"/>
+            <a:ext cx="7314480" cy="1614240"/>
           </a:xfrm>
           <a:prstGeom prst="rect">
             <a:avLst/>
@@ -4511,10 +4662,15 @@
           <a:fontRef idx="minor"/>
         </p:style>
         <p:txBody>
-          <a:bodyPr anchor="t">
+          <a:bodyPr lIns="90000" rIns="90000" tIns="45000" bIns="45000" anchor="t">
             <a:spAutoFit/>
           </a:bodyPr>
           <a:p>
+            <a:pPr>
+              <a:lnSpc>
+                <a:spcPct val="100000"/>
+              </a:lnSpc>
+            </a:pPr>
             <a:r>
               <a:rPr b="0" lang="en-US" sz="2000" spc="-1" strike="noStrike">
                 <a:solidFill>
@@ -4532,6 +4688,11 @@
             </a:endParaRPr>
           </a:p>
           <a:p>
+            <a:pPr>
+              <a:lnSpc>
+                <a:spcPct val="100000"/>
+              </a:lnSpc>
+            </a:pPr>
             <a:r>
               <a:rPr b="0" lang="en-US" sz="2000" spc="-1" strike="noStrike">
                 <a:solidFill>
@@ -4607,14 +4768,14 @@
       </p:grpSpPr>
       <p:sp>
         <p:nvSpPr>
-          <p:cNvPr id="30" name=""/>
+          <p:cNvPr id="29" name=""/>
           <p:cNvSpPr/>
           <p:nvPr/>
         </p:nvSpPr>
         <p:spPr>
           <a:xfrm>
             <a:off x="914400" y="1028880"/>
-            <a:ext cx="7314840" cy="518040"/>
+            <a:ext cx="7314480" cy="516600"/>
           </a:xfrm>
           <a:prstGeom prst="rect">
             <a:avLst/>
@@ -4631,7 +4792,7 @@
           <a:fontRef idx="minor"/>
         </p:style>
         <p:txBody>
-          <a:bodyPr anchor="t">
+          <a:bodyPr lIns="90000" rIns="90000" tIns="45000" bIns="45000" anchor="t">
             <a:spAutoFit/>
           </a:bodyPr>
           <a:p>
@@ -4663,14 +4824,14 @@
       </p:sp>
       <p:sp>
         <p:nvSpPr>
-          <p:cNvPr id="31" name=""/>
+          <p:cNvPr id="30" name=""/>
           <p:cNvSpPr/>
           <p:nvPr/>
         </p:nvSpPr>
         <p:spPr>
           <a:xfrm>
             <a:off x="914400" y="1800360"/>
-            <a:ext cx="7314840" cy="1920600"/>
+            <a:ext cx="7314480" cy="2604960"/>
           </a:xfrm>
           <a:prstGeom prst="rect">
             <a:avLst/>
@@ -4687,37 +4848,264 @@
           <a:fontRef idx="minor"/>
         </p:style>
         <p:txBody>
-          <a:bodyPr anchor="t">
+          <a:bodyPr lIns="90000" rIns="90000" tIns="45000" bIns="45000" anchor="t">
             <a:spAutoFit/>
           </a:bodyPr>
           <a:p>
-            <a:r>
-              <a:rPr b="0" lang="en-US" sz="2000" spc="-1" strike="noStrike">
+            <a:pPr>
+              <a:lnSpc>
+                <a:spcPct val="100000"/>
+              </a:lnSpc>
+            </a:pPr>
+            <a:r>
+              <a:rPr b="0" lang="en-US" sz="1500" spc="-1" strike="noStrike">
                 <a:solidFill>
                   <a:srgbClr val="ffffff"/>
                 </a:solidFill>
                 <a:latin typeface="Calibri"/>
               </a:rPr>
-              <a:t>Definición de requisitos:Leer desde un feed RSS, procesar datos esenciales y generar un archivo XML.</a:t>
-            </a:r>
-            <a:endParaRPr b="0" lang="es-ES" sz="2000" spc="-1" strike="noStrike">
-              <a:solidFill>
-                <a:srgbClr val="ffffff"/>
-              </a:solidFill>
-              <a:latin typeface="Arial"/>
-            </a:endParaRPr>
-          </a:p>
-          <a:p>
-            <a:r>
-              <a:rPr b="0" lang="en-US" sz="2000" spc="-1" strike="noStrike">
+              <a:t>1. Definición de requisitos</a:t>
+            </a:r>
+            <a:endParaRPr b="0" lang="es-ES" sz="1500" spc="-1" strike="noStrike">
+              <a:solidFill>
+                <a:srgbClr val="ffffff"/>
+              </a:solidFill>
+              <a:latin typeface="Arial"/>
+            </a:endParaRPr>
+          </a:p>
+          <a:p>
+            <a:pPr>
+              <a:lnSpc>
+                <a:spcPct val="100000"/>
+              </a:lnSpc>
+            </a:pPr>
+            <a:r>
+              <a:rPr b="0" lang="en-US" sz="1500" spc="-1" strike="noStrike">
                 <a:solidFill>
                   <a:srgbClr val="ffffff"/>
                 </a:solidFill>
                 <a:latin typeface="Calibri"/>
               </a:rPr>
-              <a:t>Diseño de componentes: Clases Noticia, RssParser, XmlWriter y Main.</a:t>
-            </a:r>
-            <a:endParaRPr b="0" lang="es-ES" sz="2000" spc="-1" strike="noStrike">
+              <a:t>	</a:t>
+            </a:r>
+            <a:r>
+              <a:rPr b="0" lang="en-US" sz="1500" spc="-1" strike="noStrike">
+                <a:solidFill>
+                  <a:srgbClr val="ffffff"/>
+                </a:solidFill>
+                <a:latin typeface="Calibri"/>
+              </a:rPr>
+              <a:t>Leer desde un feed RSS </a:t>
+            </a:r>
+            <a:endParaRPr b="0" lang="es-ES" sz="1500" spc="-1" strike="noStrike">
+              <a:solidFill>
+                <a:srgbClr val="ffffff"/>
+              </a:solidFill>
+              <a:latin typeface="Arial"/>
+            </a:endParaRPr>
+          </a:p>
+          <a:p>
+            <a:pPr>
+              <a:lnSpc>
+                <a:spcPct val="100000"/>
+              </a:lnSpc>
+            </a:pPr>
+            <a:r>
+              <a:rPr b="0" lang="en-US" sz="1500" spc="-1" strike="noStrike">
+                <a:solidFill>
+                  <a:srgbClr val="ffffff"/>
+                </a:solidFill>
+                <a:latin typeface="Calibri"/>
+              </a:rPr>
+              <a:t>	</a:t>
+            </a:r>
+            <a:r>
+              <a:rPr b="0" lang="en-US" sz="1500" spc="-1" strike="noStrike">
+                <a:solidFill>
+                  <a:srgbClr val="ffffff"/>
+                </a:solidFill>
+                <a:latin typeface="Calibri"/>
+              </a:rPr>
+              <a:t>Procesar datos esenciales </a:t>
+            </a:r>
+            <a:endParaRPr b="0" lang="es-ES" sz="1500" spc="-1" strike="noStrike">
+              <a:solidFill>
+                <a:srgbClr val="ffffff"/>
+              </a:solidFill>
+              <a:latin typeface="Arial"/>
+            </a:endParaRPr>
+          </a:p>
+          <a:p>
+            <a:pPr>
+              <a:lnSpc>
+                <a:spcPct val="100000"/>
+              </a:lnSpc>
+            </a:pPr>
+            <a:r>
+              <a:rPr b="0" lang="en-US" sz="1500" spc="-1" strike="noStrike">
+                <a:solidFill>
+                  <a:srgbClr val="ffffff"/>
+                </a:solidFill>
+                <a:latin typeface="Calibri"/>
+              </a:rPr>
+              <a:t>	</a:t>
+            </a:r>
+            <a:r>
+              <a:rPr b="0" lang="en-US" sz="1500" spc="-1" strike="noStrike">
+                <a:solidFill>
+                  <a:srgbClr val="ffffff"/>
+                </a:solidFill>
+                <a:latin typeface="Calibri"/>
+              </a:rPr>
+              <a:t>Generar un archivo XML.</a:t>
+            </a:r>
+            <a:endParaRPr b="0" lang="es-ES" sz="1500" spc="-1" strike="noStrike">
+              <a:solidFill>
+                <a:srgbClr val="ffffff"/>
+              </a:solidFill>
+              <a:latin typeface="Arial"/>
+            </a:endParaRPr>
+          </a:p>
+          <a:p>
+            <a:pPr>
+              <a:lnSpc>
+                <a:spcPct val="100000"/>
+              </a:lnSpc>
+            </a:pPr>
+            <a:r>
+              <a:rPr b="0" lang="en-US" sz="1500" spc="-1" strike="noStrike">
+                <a:solidFill>
+                  <a:srgbClr val="ffffff"/>
+                </a:solidFill>
+                <a:latin typeface="Calibri"/>
+              </a:rPr>
+              <a:t>2. Diseño de componentes</a:t>
+            </a:r>
+            <a:endParaRPr b="0" lang="es-ES" sz="1500" spc="-1" strike="noStrike">
+              <a:solidFill>
+                <a:srgbClr val="ffffff"/>
+              </a:solidFill>
+              <a:latin typeface="Arial"/>
+            </a:endParaRPr>
+          </a:p>
+          <a:p>
+            <a:pPr>
+              <a:lnSpc>
+                <a:spcPct val="100000"/>
+              </a:lnSpc>
+            </a:pPr>
+            <a:r>
+              <a:rPr b="0" lang="en-US" sz="1500" spc="-1" strike="noStrike">
+                <a:solidFill>
+                  <a:srgbClr val="ffffff"/>
+                </a:solidFill>
+                <a:latin typeface="Calibri"/>
+              </a:rPr>
+              <a:t>	</a:t>
+            </a:r>
+            <a:r>
+              <a:rPr b="0" lang="en-US" sz="1500" spc="-1" strike="noStrike">
+                <a:solidFill>
+                  <a:srgbClr val="ffffff"/>
+                </a:solidFill>
+                <a:latin typeface="Calibri"/>
+              </a:rPr>
+              <a:t>Clases Noticia</a:t>
+            </a:r>
+            <a:endParaRPr b="0" lang="es-ES" sz="1500" spc="-1" strike="noStrike">
+              <a:solidFill>
+                <a:srgbClr val="ffffff"/>
+              </a:solidFill>
+              <a:latin typeface="Arial"/>
+            </a:endParaRPr>
+          </a:p>
+          <a:p>
+            <a:pPr>
+              <a:lnSpc>
+                <a:spcPct val="100000"/>
+              </a:lnSpc>
+            </a:pPr>
+            <a:r>
+              <a:rPr b="0" lang="en-US" sz="1500" spc="-1" strike="noStrike">
+                <a:solidFill>
+                  <a:srgbClr val="ffffff"/>
+                </a:solidFill>
+                <a:latin typeface="Calibri"/>
+              </a:rPr>
+              <a:t>	</a:t>
+            </a:r>
+            <a:r>
+              <a:rPr b="0" lang="en-US" sz="1500" spc="-1" strike="noStrike">
+                <a:solidFill>
+                  <a:srgbClr val="ffffff"/>
+                </a:solidFill>
+                <a:latin typeface="Calibri"/>
+              </a:rPr>
+              <a:t>RssParser</a:t>
+            </a:r>
+            <a:endParaRPr b="0" lang="es-ES" sz="1500" spc="-1" strike="noStrike">
+              <a:solidFill>
+                <a:srgbClr val="ffffff"/>
+              </a:solidFill>
+              <a:latin typeface="Arial"/>
+            </a:endParaRPr>
+          </a:p>
+          <a:p>
+            <a:pPr>
+              <a:lnSpc>
+                <a:spcPct val="100000"/>
+              </a:lnSpc>
+            </a:pPr>
+            <a:r>
+              <a:rPr b="0" lang="en-US" sz="1500" spc="-1" strike="noStrike">
+                <a:solidFill>
+                  <a:srgbClr val="ffffff"/>
+                </a:solidFill>
+                <a:latin typeface="Calibri"/>
+              </a:rPr>
+              <a:t>	</a:t>
+            </a:r>
+            <a:r>
+              <a:rPr b="0" lang="en-US" sz="1500" spc="-1" strike="noStrike">
+                <a:solidFill>
+                  <a:srgbClr val="ffffff"/>
+                </a:solidFill>
+                <a:latin typeface="Calibri"/>
+              </a:rPr>
+              <a:t>XmlWriter </a:t>
+            </a:r>
+            <a:endParaRPr b="0" lang="es-ES" sz="1500" spc="-1" strike="noStrike">
+              <a:solidFill>
+                <a:srgbClr val="ffffff"/>
+              </a:solidFill>
+              <a:latin typeface="Arial"/>
+            </a:endParaRPr>
+          </a:p>
+          <a:p>
+            <a:pPr>
+              <a:lnSpc>
+                <a:spcPct val="100000"/>
+              </a:lnSpc>
+            </a:pPr>
+            <a:r>
+              <a:rPr b="0" lang="en-US" sz="1500" spc="-1" strike="noStrike">
+                <a:solidFill>
+                  <a:srgbClr val="ffffff"/>
+                </a:solidFill>
+                <a:latin typeface="Calibri"/>
+              </a:rPr>
+              <a:t>	</a:t>
+            </a:r>
+            <a:r>
+              <a:rPr b="0" lang="en-US" sz="1500" spc="-1" strike="noStrike">
+                <a:solidFill>
+                  <a:srgbClr val="ffffff"/>
+                </a:solidFill>
+                <a:latin typeface="Calibri"/>
+              </a:rPr>
+              <a:t>Main.</a:t>
+            </a:r>
+            <a:endParaRPr b="0" lang="es-ES" sz="1500" spc="-1" strike="noStrike">
               <a:solidFill>
                 <a:srgbClr val="ffffff"/>
               </a:solidFill>
@@ -4734,15 +5122,49 @@
               </a:tabLst>
             </a:pPr>
             <a:r>
-              <a:rPr b="0" lang="en-US" sz="2000" spc="-1" strike="noStrike">
+              <a:rPr b="0" lang="en-US" sz="1500" spc="-1" strike="noStrike">
                 <a:solidFill>
                   <a:srgbClr val="ffffff"/>
                 </a:solidFill>
                 <a:latin typeface="Calibri"/>
               </a:rPr>
-              <a:t>Fases de desarrollo: Desde la implementación de la clase Noticia hasta pruebas iniciales.</a:t>
-            </a:r>
-            <a:endParaRPr b="0" lang="es-ES" sz="2000" spc="-1" strike="noStrike">
+              <a:t>3. Fases de desarrollo</a:t>
+            </a:r>
+            <a:endParaRPr b="0" lang="es-ES" sz="1500" spc="-1" strike="noStrike">
+              <a:solidFill>
+                <a:srgbClr val="ffffff"/>
+              </a:solidFill>
+              <a:latin typeface="Arial"/>
+            </a:endParaRPr>
+          </a:p>
+          <a:p>
+            <a:pPr defTabSz="914400">
+              <a:lnSpc>
+                <a:spcPct val="100000"/>
+              </a:lnSpc>
+              <a:tabLst>
+                <a:tab algn="l" pos="0"/>
+              </a:tabLst>
+            </a:pPr>
+            <a:r>
+              <a:rPr b="0" lang="en-US" sz="1500" spc="-1" strike="noStrike">
+                <a:solidFill>
+                  <a:srgbClr val="ffffff"/>
+                </a:solidFill>
+                <a:latin typeface="Calibri"/>
+              </a:rPr>
+              <a:t>	</a:t>
+            </a:r>
+            <a:r>
+              <a:rPr b="0" lang="en-US" sz="1500" spc="-1" strike="noStrike">
+                <a:solidFill>
+                  <a:srgbClr val="ffffff"/>
+                </a:solidFill>
+                <a:latin typeface="Calibri"/>
+              </a:rPr>
+              <a:t>Desde la implementación de la clase Noticia hasta pruebas iniciales.</a:t>
+            </a:r>
+            <a:endParaRPr b="0" lang="es-ES" sz="1500" spc="-1" strike="noStrike">
               <a:solidFill>
                 <a:srgbClr val="ffffff"/>
               </a:solidFill>
@@ -4783,14 +5205,14 @@
       </p:grpSpPr>
       <p:sp>
         <p:nvSpPr>
-          <p:cNvPr id="32" name=""/>
+          <p:cNvPr id="31" name=""/>
           <p:cNvSpPr/>
           <p:nvPr/>
         </p:nvSpPr>
         <p:spPr>
           <a:xfrm>
             <a:off x="914400" y="1028880"/>
-            <a:ext cx="7314840" cy="518040"/>
+            <a:ext cx="7314480" cy="516600"/>
           </a:xfrm>
           <a:prstGeom prst="rect">
             <a:avLst/>
@@ -4807,7 +5229,7 @@
           <a:fontRef idx="minor"/>
         </p:style>
         <p:txBody>
-          <a:bodyPr anchor="t">
+          <a:bodyPr lIns="90000" rIns="90000" tIns="45000" bIns="45000" anchor="t">
             <a:spAutoFit/>
           </a:bodyPr>
           <a:p>
@@ -4826,7 +5248,7 @@
                 </a:solidFill>
                 <a:latin typeface="Calibri"/>
               </a:rPr>
-              <a:t>Dificultades Encontradas</a:t>
+              <a:t>Proceso de Desarrollo y Planificación</a:t>
             </a:r>
             <a:endParaRPr b="0" lang="es-ES" sz="2800" spc="-1" strike="noStrike">
               <a:solidFill>
@@ -4839,14 +5261,14 @@
       </p:sp>
       <p:sp>
         <p:nvSpPr>
-          <p:cNvPr id="33" name=""/>
+          <p:cNvPr id="32" name=""/>
           <p:cNvSpPr/>
           <p:nvPr/>
         </p:nvSpPr>
         <p:spPr>
           <a:xfrm>
             <a:off x="914400" y="1800360"/>
-            <a:ext cx="7314840" cy="1615680"/>
+            <a:ext cx="7314480" cy="2717280"/>
           </a:xfrm>
           <a:prstGeom prst="rect">
             <a:avLst/>
@@ -4863,37 +5285,25 @@
           <a:fontRef idx="minor"/>
         </p:style>
         <p:txBody>
-          <a:bodyPr anchor="t">
+          <a:bodyPr lIns="90000" rIns="90000" tIns="45000" bIns="45000" anchor="t">
             <a:spAutoFit/>
           </a:bodyPr>
           <a:p>
-            <a:r>
-              <a:rPr b="0" lang="en-US" sz="2000" spc="-1" strike="noStrike">
+            <a:pPr>
+              <a:lnSpc>
+                <a:spcPct val="100000"/>
+              </a:lnSpc>
+            </a:pPr>
+            <a:r>
+              <a:rPr b="0" lang="en-US" sz="1500" spc="-1" strike="noStrike">
                 <a:solidFill>
                   <a:srgbClr val="ffffff"/>
                 </a:solidFill>
                 <a:latin typeface="Calibri"/>
               </a:rPr>
-              <a:t>Validación del feed RSS y manejo de errores de conexión.</a:t>
-            </a:r>
-            <a:endParaRPr b="0" lang="es-ES" sz="2000" spc="-1" strike="noStrike">
-              <a:solidFill>
-                <a:srgbClr val="ffffff"/>
-              </a:solidFill>
-              <a:latin typeface="Arial"/>
-            </a:endParaRPr>
-          </a:p>
-          <a:p>
-            <a:r>
-              <a:rPr b="0" lang="en-US" sz="2000" spc="-1" strike="noStrike">
-                <a:solidFill>
-                  <a:srgbClr val="ffffff"/>
-                </a:solidFill>
-                <a:latin typeface="Calibri"/>
-              </a:rPr>
-              <a:t>Manejo de caracteres especiales para mantener la integridad del XML.</a:t>
-            </a:r>
-            <a:endParaRPr b="0" lang="es-ES" sz="2000" spc="-1" strike="noStrike">
+              <a:t>3. Fases de desarrollo</a:t>
+            </a:r>
+            <a:endParaRPr b="0" lang="es-ES" sz="1500" spc="-1" strike="noStrike">
               <a:solidFill>
                 <a:srgbClr val="ffffff"/>
               </a:solidFill>
@@ -4903,22 +5313,223 @@
           <a:p>
             <a:pPr defTabSz="914400">
               <a:lnSpc>
-                <a:spcPct val="100000"/>
+                <a:spcPct val="150000"/>
               </a:lnSpc>
               <a:tabLst>
                 <a:tab algn="l" pos="0"/>
               </a:tabLst>
             </a:pPr>
             <a:r>
-              <a:rPr b="0" lang="en-US" sz="2000" spc="-1" strike="noStrike">
+              <a:rPr b="0" lang="en-US" sz="1500" spc="-1" strike="noStrike">
                 <a:solidFill>
                   <a:srgbClr val="ffffff"/>
                 </a:solidFill>
                 <a:latin typeface="Calibri"/>
               </a:rPr>
-              <a:t>Aprendizaje y uso de librerías adecuadas a través de documentación y ejemplos.</a:t>
-            </a:r>
-            <a:endParaRPr b="0" lang="es-ES" sz="2000" spc="-1" strike="noStrike">
+              <a:t>	</a:t>
+            </a:r>
+            <a:r>
+              <a:rPr b="0" lang="en-US" sz="1500" spc="-1" strike="noStrike">
+                <a:solidFill>
+                  <a:srgbClr val="ffffff"/>
+                </a:solidFill>
+                <a:latin typeface="Calibri"/>
+              </a:rPr>
+              <a:t>● </a:t>
+            </a:r>
+            <a:r>
+              <a:rPr b="0" lang="en-US" sz="1500" spc="-1" strike="noStrike">
+                <a:solidFill>
+                  <a:srgbClr val="ffffff"/>
+                </a:solidFill>
+                <a:latin typeface="Calibri"/>
+              </a:rPr>
+              <a:t>Fase 1: Implementación de la clase Noticia para modelar los datos.</a:t>
+            </a:r>
+            <a:endParaRPr b="0" lang="es-ES" sz="1500" spc="-1" strike="noStrike">
+              <a:solidFill>
+                <a:srgbClr val="ffffff"/>
+              </a:solidFill>
+              <a:latin typeface="Arial"/>
+            </a:endParaRPr>
+          </a:p>
+          <a:p>
+            <a:pPr defTabSz="914400">
+              <a:lnSpc>
+                <a:spcPct val="150000"/>
+              </a:lnSpc>
+              <a:tabLst>
+                <a:tab algn="l" pos="0"/>
+              </a:tabLst>
+            </a:pPr>
+            <a:r>
+              <a:rPr b="0" lang="en-US" sz="1500" spc="-1" strike="noStrike">
+                <a:solidFill>
+                  <a:srgbClr val="ffffff"/>
+                </a:solidFill>
+                <a:latin typeface="Calibri"/>
+              </a:rPr>
+              <a:t>	</a:t>
+            </a:r>
+            <a:r>
+              <a:rPr b="0" lang="en-US" sz="1500" spc="-1" strike="noStrike">
+                <a:solidFill>
+                  <a:srgbClr val="ffffff"/>
+                </a:solidFill>
+                <a:latin typeface="Calibri"/>
+              </a:rPr>
+              <a:t>● </a:t>
+            </a:r>
+            <a:r>
+              <a:rPr b="0" lang="en-US" sz="1500" spc="-1" strike="noStrike">
+                <a:solidFill>
+                  <a:srgbClr val="ffffff"/>
+                </a:solidFill>
+                <a:latin typeface="Calibri"/>
+              </a:rPr>
+              <a:t>Fase 2: Desarrollo del RssParser para extraer información del feed RSS </a:t>
+            </a:r>
+            <a:r>
+              <a:rPr b="0" lang="en-US" sz="1500" spc="-1" strike="noStrike">
+                <a:solidFill>
+                  <a:srgbClr val="ffffff"/>
+                </a:solidFill>
+                <a:latin typeface="Calibri"/>
+              </a:rPr>
+              <a:t>	</a:t>
+            </a:r>
+            <a:r>
+              <a:rPr b="0" lang="en-US" sz="1500" spc="-1" strike="noStrike">
+                <a:solidFill>
+                  <a:srgbClr val="ffffff"/>
+                </a:solidFill>
+                <a:latin typeface="Calibri"/>
+              </a:rPr>
+              <a:t>utilizando DOM (Document Object Model).</a:t>
+            </a:r>
+            <a:endParaRPr b="0" lang="es-ES" sz="1500" spc="-1" strike="noStrike">
+              <a:solidFill>
+                <a:srgbClr val="ffffff"/>
+              </a:solidFill>
+              <a:latin typeface="Arial"/>
+            </a:endParaRPr>
+          </a:p>
+          <a:p>
+            <a:pPr defTabSz="914400">
+              <a:lnSpc>
+                <a:spcPct val="150000"/>
+              </a:lnSpc>
+              <a:tabLst>
+                <a:tab algn="l" pos="0"/>
+              </a:tabLst>
+            </a:pPr>
+            <a:r>
+              <a:rPr b="0" lang="en-US" sz="1500" spc="-1" strike="noStrike">
+                <a:solidFill>
+                  <a:srgbClr val="ffffff"/>
+                </a:solidFill>
+                <a:latin typeface="Calibri"/>
+              </a:rPr>
+              <a:t>	</a:t>
+            </a:r>
+            <a:r>
+              <a:rPr b="0" lang="en-US" sz="1500" spc="-1" strike="noStrike">
+                <a:solidFill>
+                  <a:srgbClr val="ffffff"/>
+                </a:solidFill>
+                <a:latin typeface="Calibri"/>
+              </a:rPr>
+              <a:t>● </a:t>
+            </a:r>
+            <a:r>
+              <a:rPr b="0" lang="en-US" sz="1500" spc="-1" strike="noStrike">
+                <a:solidFill>
+                  <a:srgbClr val="ffffff"/>
+                </a:solidFill>
+                <a:latin typeface="Calibri"/>
+              </a:rPr>
+              <a:t>Fase 3: Creación del XmlWriter para estructurar los datos y generar el archivo</a:t>
+            </a:r>
+            <a:r>
+              <a:rPr b="0" lang="en-US" sz="1500" spc="-1" strike="noStrike">
+                <a:solidFill>
+                  <a:srgbClr val="ffffff"/>
+                </a:solidFill>
+                <a:latin typeface="Calibri"/>
+              </a:rPr>
+              <a:t>	</a:t>
+            </a:r>
+            <a:r>
+              <a:rPr b="0" lang="en-US" sz="1500" spc="-1" strike="noStrike">
+                <a:solidFill>
+                  <a:srgbClr val="ffffff"/>
+                </a:solidFill>
+                <a:latin typeface="Calibri"/>
+              </a:rPr>
+              <a:t>XML.</a:t>
+            </a:r>
+            <a:endParaRPr b="0" lang="es-ES" sz="1500" spc="-1" strike="noStrike">
+              <a:solidFill>
+                <a:srgbClr val="ffffff"/>
+              </a:solidFill>
+              <a:latin typeface="Arial"/>
+            </a:endParaRPr>
+          </a:p>
+          <a:p>
+            <a:pPr defTabSz="914400">
+              <a:lnSpc>
+                <a:spcPct val="150000"/>
+              </a:lnSpc>
+              <a:tabLst>
+                <a:tab algn="l" pos="0"/>
+              </a:tabLst>
+            </a:pPr>
+            <a:r>
+              <a:rPr b="0" lang="en-US" sz="1500" spc="-1" strike="noStrike">
+                <a:solidFill>
+                  <a:srgbClr val="ffffff"/>
+                </a:solidFill>
+                <a:latin typeface="Calibri"/>
+              </a:rPr>
+              <a:t>	</a:t>
+            </a:r>
+            <a:r>
+              <a:rPr b="0" lang="en-US" sz="1500" spc="-1" strike="noStrike">
+                <a:solidFill>
+                  <a:srgbClr val="ffffff"/>
+                </a:solidFill>
+                <a:latin typeface="Calibri"/>
+              </a:rPr>
+              <a:t>● </a:t>
+            </a:r>
+            <a:r>
+              <a:rPr b="0" lang="en-US" sz="1500" spc="-1" strike="noStrike">
+                <a:solidFill>
+                  <a:srgbClr val="ffffff"/>
+                </a:solidFill>
+                <a:latin typeface="Calibri"/>
+              </a:rPr>
+              <a:t>Fase 4: Integración de todas las partes en la clase Main y pruebas iniciales con </a:t>
+            </a:r>
+            <a:r>
+              <a:rPr b="0" lang="en-US" sz="1500" spc="-1" strike="noStrike">
+                <a:solidFill>
+                  <a:srgbClr val="ffffff"/>
+                </a:solidFill>
+                <a:latin typeface="Calibri"/>
+              </a:rPr>
+              <a:t>	</a:t>
+            </a:r>
+            <a:r>
+              <a:rPr b="0" lang="en-US" sz="1500" spc="-1" strike="noStrike">
+                <a:solidFill>
+                  <a:srgbClr val="ffffff"/>
+                </a:solidFill>
+                <a:latin typeface="Calibri"/>
+              </a:rPr>
+              <a:t>un feed RSS real.</a:t>
+            </a:r>
+            <a:endParaRPr b="0" lang="es-ES" sz="1500" spc="-1" strike="noStrike">
               <a:solidFill>
                 <a:srgbClr val="ffffff"/>
               </a:solidFill>
@@ -4959,14 +5570,14 @@
       </p:grpSpPr>
       <p:sp>
         <p:nvSpPr>
-          <p:cNvPr id="34" name=""/>
+          <p:cNvPr id="33" name=""/>
           <p:cNvSpPr/>
           <p:nvPr/>
         </p:nvSpPr>
         <p:spPr>
           <a:xfrm>
             <a:off x="914400" y="1028880"/>
-            <a:ext cx="7314840" cy="518040"/>
+            <a:ext cx="7314480" cy="516600"/>
           </a:xfrm>
           <a:prstGeom prst="rect">
             <a:avLst/>
@@ -4983,7 +5594,7 @@
           <a:fontRef idx="minor"/>
         </p:style>
         <p:txBody>
-          <a:bodyPr anchor="t">
+          <a:bodyPr lIns="90000" rIns="90000" tIns="45000" bIns="45000" anchor="t">
             <a:spAutoFit/>
           </a:bodyPr>
           <a:p>
@@ -5002,7 +5613,7 @@
                 </a:solidFill>
                 <a:latin typeface="Calibri"/>
               </a:rPr>
-              <a:t>Ejecución del Proyecto</a:t>
+              <a:t>Dificultades Encontradas</a:t>
             </a:r>
             <a:endParaRPr b="0" lang="es-ES" sz="2800" spc="-1" strike="noStrike">
               <a:solidFill>
@@ -5015,14 +5626,14 @@
       </p:sp>
       <p:sp>
         <p:nvSpPr>
-          <p:cNvPr id="35" name=""/>
+          <p:cNvPr id="34" name=""/>
           <p:cNvSpPr/>
           <p:nvPr/>
         </p:nvSpPr>
         <p:spPr>
           <a:xfrm>
             <a:off x="914400" y="1800360"/>
-            <a:ext cx="7314840" cy="1310760"/>
+            <a:ext cx="7314480" cy="1614240"/>
           </a:xfrm>
           <a:prstGeom prst="rect">
             <a:avLst/>
@@ -5039,10 +5650,15 @@
           <a:fontRef idx="minor"/>
         </p:style>
         <p:txBody>
-          <a:bodyPr anchor="t">
+          <a:bodyPr lIns="90000" rIns="90000" tIns="45000" bIns="45000" anchor="t">
             <a:spAutoFit/>
           </a:bodyPr>
           <a:p>
+            <a:pPr>
+              <a:lnSpc>
+                <a:spcPct val="100000"/>
+              </a:lnSpc>
+            </a:pPr>
             <a:r>
               <a:rPr b="0" lang="en-US" sz="2000" spc="-1" strike="noStrike">
                 <a:solidFill>
@@ -5050,7 +5666,7 @@
                 </a:solidFill>
                 <a:latin typeface="Calibri"/>
               </a:rPr>
-              <a:t>Requisitos previos: Java JDK y un entorno de desarrollo.</a:t>
+              <a:t>1. Validación del feed RSS y manejo de errores de conexión.</a:t>
             </a:r>
             <a:endParaRPr b="0" lang="es-ES" sz="2000" spc="-1" strike="noStrike">
               <a:solidFill>
@@ -5060,6 +5676,11 @@
             </a:endParaRPr>
           </a:p>
           <a:p>
+            <a:pPr>
+              <a:lnSpc>
+                <a:spcPct val="100000"/>
+              </a:lnSpc>
+            </a:pPr>
             <a:r>
               <a:rPr b="0" lang="en-US" sz="2000" spc="-1" strike="noStrike">
                 <a:solidFill>
@@ -5067,7 +5688,7 @@
                 </a:solidFill>
                 <a:latin typeface="Calibri"/>
               </a:rPr>
-              <a:t>Instrucciones: Compilar y ejecutar el proyecto para generar el archivo XML.</a:t>
+              <a:t>2. Manejo de caracteres especiales para mantener la integridad del XML.</a:t>
             </a:r>
             <a:endParaRPr b="0" lang="es-ES" sz="2000" spc="-1" strike="noStrike">
               <a:solidFill>
@@ -5092,7 +5713,7 @@
                 </a:solidFill>
                 <a:latin typeface="Calibri"/>
               </a:rPr>
-              <a:t>Formato del archivo XML con estructura clave para accesibilidad.</a:t>
+              <a:t>3. Aprendizaje y uso de librerías adecuadas a través de documentación y ejemplos.</a:t>
             </a:r>
             <a:endParaRPr b="0" lang="es-ES" sz="2000" spc="-1" strike="noStrike">
               <a:solidFill>
@@ -5135,14 +5756,14 @@
       </p:grpSpPr>
       <p:sp>
         <p:nvSpPr>
-          <p:cNvPr id="36" name=""/>
+          <p:cNvPr id="35" name=""/>
           <p:cNvSpPr/>
           <p:nvPr/>
         </p:nvSpPr>
         <p:spPr>
           <a:xfrm>
             <a:off x="914400" y="1028880"/>
-            <a:ext cx="7314840" cy="518040"/>
+            <a:ext cx="7314480" cy="516600"/>
           </a:xfrm>
           <a:prstGeom prst="rect">
             <a:avLst/>
@@ -5159,7 +5780,7 @@
           <a:fontRef idx="minor"/>
         </p:style>
         <p:txBody>
-          <a:bodyPr anchor="t">
+          <a:bodyPr lIns="90000" rIns="90000" tIns="45000" bIns="45000" anchor="t">
             <a:spAutoFit/>
           </a:bodyPr>
           <a:p>
@@ -5178,7 +5799,7 @@
                 </a:solidFill>
                 <a:latin typeface="Calibri"/>
               </a:rPr>
-              <a:t>Pruebas Realizadas</a:t>
+              <a:t>Ejecución del Proyecto</a:t>
             </a:r>
             <a:endParaRPr b="0" lang="es-ES" sz="2800" spc="-1" strike="noStrike">
               <a:solidFill>
@@ -5191,14 +5812,14 @@
       </p:sp>
       <p:sp>
         <p:nvSpPr>
-          <p:cNvPr id="37" name=""/>
+          <p:cNvPr id="36" name=""/>
           <p:cNvSpPr/>
           <p:nvPr/>
         </p:nvSpPr>
         <p:spPr>
           <a:xfrm>
             <a:off x="914400" y="1800360"/>
-            <a:ext cx="7314840" cy="1310760"/>
+            <a:ext cx="7314480" cy="1919880"/>
           </a:xfrm>
           <a:prstGeom prst="rect">
             <a:avLst/>
@@ -5215,10 +5836,15 @@
           <a:fontRef idx="minor"/>
         </p:style>
         <p:txBody>
-          <a:bodyPr anchor="t">
+          <a:bodyPr lIns="90000" rIns="90000" tIns="45000" bIns="45000" anchor="t">
             <a:spAutoFit/>
           </a:bodyPr>
           <a:p>
+            <a:pPr>
+              <a:lnSpc>
+                <a:spcPct val="100000"/>
+              </a:lnSpc>
+            </a:pPr>
             <a:r>
               <a:rPr b="0" lang="en-US" sz="2000" spc="-1" strike="noStrike">
                 <a:solidFill>
@@ -5226,7 +5852,7 @@
                 </a:solidFill>
                 <a:latin typeface="Calibri"/>
               </a:rPr>
-              <a:t>Pruebas funcionales de conexión y recuperación de datos del feed RSS.</a:t>
+              <a:t>Requisitos previos: </a:t>
             </a:r>
             <a:endParaRPr b="0" lang="es-ES" sz="2000" spc="-1" strike="noStrike">
               <a:solidFill>
@@ -5236,6 +5862,11 @@
             </a:endParaRPr>
           </a:p>
           <a:p>
+            <a:pPr>
+              <a:lnSpc>
+                <a:spcPct val="100000"/>
+              </a:lnSpc>
+            </a:pPr>
             <a:r>
               <a:rPr b="0" lang="en-US" sz="2000" spc="-1" strike="noStrike">
                 <a:solidFill>
@@ -5243,7 +5874,64 @@
                 </a:solidFill>
                 <a:latin typeface="Calibri"/>
               </a:rPr>
-              <a:t>Extracción correcta de elementos clave del RSS.</a:t>
+              <a:t>Java JDK y un entorno de desarrollo.</a:t>
+            </a:r>
+            <a:endParaRPr b="0" lang="es-ES" sz="2000" spc="-1" strike="noStrike">
+              <a:solidFill>
+                <a:srgbClr val="ffffff"/>
+              </a:solidFill>
+              <a:latin typeface="Arial"/>
+            </a:endParaRPr>
+          </a:p>
+          <a:p>
+            <a:pPr>
+              <a:lnSpc>
+                <a:spcPct val="100000"/>
+              </a:lnSpc>
+            </a:pPr>
+            <a:endParaRPr b="0" lang="es-ES" sz="2000" spc="-1" strike="noStrike">
+              <a:solidFill>
+                <a:srgbClr val="ffffff"/>
+              </a:solidFill>
+              <a:latin typeface="Arial"/>
+            </a:endParaRPr>
+          </a:p>
+          <a:p>
+            <a:pPr>
+              <a:lnSpc>
+                <a:spcPct val="100000"/>
+              </a:lnSpc>
+            </a:pPr>
+            <a:r>
+              <a:rPr b="0" lang="en-US" sz="2000" spc="-1" strike="noStrike">
+                <a:solidFill>
+                  <a:srgbClr val="ffffff"/>
+                </a:solidFill>
+                <a:latin typeface="Calibri"/>
+              </a:rPr>
+              <a:t>Instrucciones:</a:t>
+            </a:r>
+            <a:endParaRPr b="0" lang="es-ES" sz="2000" spc="-1" strike="noStrike">
+              <a:solidFill>
+                <a:srgbClr val="ffffff"/>
+              </a:solidFill>
+              <a:latin typeface="Arial"/>
+            </a:endParaRPr>
+          </a:p>
+          <a:p>
+            <a:pPr>
+              <a:lnSpc>
+                <a:spcPct val="100000"/>
+              </a:lnSpc>
+            </a:pPr>
+            <a:r>
+              <a:rPr b="0" lang="en-US" sz="2000" spc="-1" strike="noStrike">
+                <a:solidFill>
+                  <a:srgbClr val="ffffff"/>
+                </a:solidFill>
+                <a:latin typeface="Calibri"/>
+              </a:rPr>
+              <a:t>1. Compilar y ejecutar el proyecto para generar el archivo XML.</a:t>
             </a:r>
             <a:endParaRPr b="0" lang="es-ES" sz="2000" spc="-1" strike="noStrike">
               <a:solidFill>
@@ -5268,7 +5956,7 @@
                 </a:solidFill>
                 <a:latin typeface="Calibri"/>
               </a:rPr>
-              <a:t>Validación del archivo XML generado.</a:t>
+              <a:t>2. Formato del archivo XML con estructura clave para accesibilidad.</a:t>
             </a:r>
             <a:endParaRPr b="0" lang="es-ES" sz="2000" spc="-1" strike="noStrike">
               <a:solidFill>
